--- a/docs/CPU SCHEDULING WITH C++.pptx
+++ b/docs/CPU SCHEDULING WITH C++.pptx
@@ -19,18 +19,23 @@
     <p:sldId id="264" r:id="rId14"/>
     <p:sldId id="265" r:id="rId15"/>
     <p:sldId id="266" r:id="rId16"/>
+    <p:sldId id="267" r:id="rId17"/>
+    <p:sldId id="268" r:id="rId18"/>
+    <p:sldId id="269" r:id="rId19"/>
+    <p:sldId id="270" r:id="rId20"/>
+    <p:sldId id="271" r:id="rId21"/>
   </p:sldIdLst>
   <p:sldSz cy="5143500" cx="9144000"/>
   <p:notesSz cx="6858000" cy="9144000"/>
   <p:embeddedFontLst>
     <p:embeddedFont>
       <p:font typeface="Average"/>
-      <p:regular r:id="rId17"/>
+      <p:regular r:id="rId22"/>
     </p:embeddedFont>
     <p:embeddedFont>
       <p:font typeface="Oswald"/>
-      <p:regular r:id="rId18"/>
-      <p:bold r:id="rId19"/>
+      <p:regular r:id="rId23"/>
+      <p:bold r:id="rId24"/>
     </p:embeddedFont>
   </p:embeddedFontLst>
   <p:defaultTextStyle>
@@ -825,7 +830,7 @@
       </p:grpSpPr>
       <p:sp>
         <p:nvSpPr>
-          <p:cNvPr id="123" name="Google Shape;123;g2b4ebaad97e_0_406:notes"/>
+          <p:cNvPr id="123" name="Google Shape;123;g2b4ebaad97e_0_363:notes"/>
           <p:cNvSpPr/>
           <p:nvPr>
             <p:ph idx="2" type="sldImg"/>
@@ -860,7 +865,7 @@
       </p:sp>
       <p:sp>
         <p:nvSpPr>
-          <p:cNvPr id="124" name="Google Shape;124;g2b4ebaad97e_0_406:notes"/>
+          <p:cNvPr id="124" name="Google Shape;124;g2b4ebaad97e_0_363:notes"/>
           <p:cNvSpPr txBox="1"/>
           <p:nvPr>
             <p:ph idx="1" type="body"/>
@@ -910,7 +915,7 @@
   <p:cSld>
     <p:spTree>
       <p:nvGrpSpPr>
-        <p:cNvPr id="130" name="Shape 130"/>
+        <p:cNvPr id="131" name="Shape 131"/>
         <p:cNvGrpSpPr/>
         <p:nvPr/>
       </p:nvGrpSpPr>
@@ -924,7 +929,7 @@
       </p:grpSpPr>
       <p:sp>
         <p:nvSpPr>
-          <p:cNvPr id="131" name="Google Shape;131;g2b4ebaad97e_0_420:notes"/>
+          <p:cNvPr id="132" name="Google Shape;132;g3ceef9d859183748_25:notes"/>
           <p:cNvSpPr/>
           <p:nvPr>
             <p:ph idx="2" type="sldImg"/>
@@ -959,7 +964,502 @@
       </p:sp>
       <p:sp>
         <p:nvSpPr>
-          <p:cNvPr id="132" name="Google Shape;132;g2b4ebaad97e_0_420:notes"/>
+          <p:cNvPr id="133" name="Google Shape;133;g3ceef9d859183748_25:notes"/>
+          <p:cNvSpPr txBox="1"/>
+          <p:nvPr>
+            <p:ph idx="1" type="body"/>
+          </p:nvPr>
+        </p:nvSpPr>
+        <p:spPr>
+          <a:xfrm>
+            <a:off x="685800" y="4343400"/>
+            <a:ext cx="5486400" cy="4114800"/>
+          </a:xfrm>
+          <a:prstGeom prst="rect">
+            <a:avLst/>
+          </a:prstGeom>
+        </p:spPr>
+        <p:txBody>
+          <a:bodyPr anchorCtr="0" anchor="t" bIns="91425" lIns="91425" spcFirstLastPara="1" rIns="91425" wrap="square" tIns="91425">
+            <a:noAutofit/>
+          </a:bodyPr>
+          <a:lstStyle/>
+          <a:p>
+            <a:pPr indent="0" lvl="0" marL="0" rtl="0" algn="l">
+              <a:spcBef>
+                <a:spcPts val="0"/>
+              </a:spcBef>
+              <a:spcAft>
+                <a:spcPts val="0"/>
+              </a:spcAft>
+              <a:buNone/>
+            </a:pPr>
+            <a:r>
+              <a:t/>
+            </a:r>
+            <a:endParaRPr/>
+          </a:p>
+        </p:txBody>
+      </p:sp>
+    </p:spTree>
+  </p:cSld>
+  <p:clrMapOvr>
+    <a:masterClrMapping/>
+  </p:clrMapOvr>
+</p:notes>
+</file>
+
+<file path=ppt/notesSlides/notesSlide12.xml><?xml version="1.0" encoding="utf-8"?>
+<p:notes xmlns:a="http://schemas.openxmlformats.org/drawingml/2006/main" xmlns:r="http://schemas.openxmlformats.org/officeDocument/2006/relationships" xmlns:mc="http://schemas.openxmlformats.org/markup-compatibility/2006" xmlns:mv="urn:schemas-microsoft-com:mac:vml" xmlns:p="http://schemas.openxmlformats.org/presentationml/2006/main" xmlns:c="http://schemas.openxmlformats.org/drawingml/2006/chart" xmlns:dgm="http://schemas.openxmlformats.org/drawingml/2006/diagram" xmlns:o="urn:schemas-microsoft-com:office:office" xmlns:v="urn:schemas-microsoft-com:vml" xmlns:pvml="urn:schemas-microsoft-com:office:powerpoint" xmlns:com="http://schemas.openxmlformats.org/drawingml/2006/compatibility" xmlns:p14="http://schemas.microsoft.com/office/powerpoint/2010/main" xmlns:p15="http://schemas.microsoft.com/office/powerpoint/2012/main" xmlns:ahyp="http://schemas.microsoft.com/office/drawing/2018/hyperlinkcolor" showMasterPhAnim="0" showMasterSp="0">
+  <p:cSld>
+    <p:spTree>
+      <p:nvGrpSpPr>
+        <p:cNvPr id="138" name="Shape 138"/>
+        <p:cNvGrpSpPr/>
+        <p:nvPr/>
+      </p:nvGrpSpPr>
+      <p:grpSpPr>
+        <a:xfrm>
+          <a:off x="0" y="0"/>
+          <a:ext cx="0" cy="0"/>
+          <a:chOff x="0" y="0"/>
+          <a:chExt cx="0" cy="0"/>
+        </a:xfrm>
+      </p:grpSpPr>
+      <p:sp>
+        <p:nvSpPr>
+          <p:cNvPr id="139" name="Google Shape;139;g2b4ebaad97e_0_370:notes"/>
+          <p:cNvSpPr/>
+          <p:nvPr>
+            <p:ph idx="2" type="sldImg"/>
+          </p:nvPr>
+        </p:nvSpPr>
+        <p:spPr>
+          <a:xfrm>
+            <a:off x="381300" y="685800"/>
+            <a:ext cx="6096000" cy="3429000"/>
+          </a:xfrm>
+          <a:custGeom>
+            <a:rect b="b" l="l" r="r" t="t"/>
+            <a:pathLst>
+              <a:path extrusionOk="0" h="120000" w="120000">
+                <a:moveTo>
+                  <a:pt x="0" y="0"/>
+                </a:moveTo>
+                <a:lnTo>
+                  <a:pt x="120000" y="0"/>
+                </a:lnTo>
+                <a:lnTo>
+                  <a:pt x="120000" y="120000"/>
+                </a:lnTo>
+                <a:lnTo>
+                  <a:pt x="0" y="120000"/>
+                </a:lnTo>
+                <a:close/>
+              </a:path>
+            </a:pathLst>
+          </a:custGeom>
+        </p:spPr>
+      </p:sp>
+      <p:sp>
+        <p:nvSpPr>
+          <p:cNvPr id="140" name="Google Shape;140;g2b4ebaad97e_0_370:notes"/>
+          <p:cNvSpPr txBox="1"/>
+          <p:nvPr>
+            <p:ph idx="1" type="body"/>
+          </p:nvPr>
+        </p:nvSpPr>
+        <p:spPr>
+          <a:xfrm>
+            <a:off x="685800" y="4343400"/>
+            <a:ext cx="5486400" cy="4114800"/>
+          </a:xfrm>
+          <a:prstGeom prst="rect">
+            <a:avLst/>
+          </a:prstGeom>
+        </p:spPr>
+        <p:txBody>
+          <a:bodyPr anchorCtr="0" anchor="t" bIns="91425" lIns="91425" spcFirstLastPara="1" rIns="91425" wrap="square" tIns="91425">
+            <a:noAutofit/>
+          </a:bodyPr>
+          <a:lstStyle/>
+          <a:p>
+            <a:pPr indent="0" lvl="0" marL="0" rtl="0" algn="l">
+              <a:spcBef>
+                <a:spcPts val="0"/>
+              </a:spcBef>
+              <a:spcAft>
+                <a:spcPts val="0"/>
+              </a:spcAft>
+              <a:buNone/>
+            </a:pPr>
+            <a:r>
+              <a:t/>
+            </a:r>
+            <a:endParaRPr/>
+          </a:p>
+        </p:txBody>
+      </p:sp>
+    </p:spTree>
+  </p:cSld>
+  <p:clrMapOvr>
+    <a:masterClrMapping/>
+  </p:clrMapOvr>
+</p:notes>
+</file>
+
+<file path=ppt/notesSlides/notesSlide13.xml><?xml version="1.0" encoding="utf-8"?>
+<p:notes xmlns:a="http://schemas.openxmlformats.org/drawingml/2006/main" xmlns:r="http://schemas.openxmlformats.org/officeDocument/2006/relationships" xmlns:mc="http://schemas.openxmlformats.org/markup-compatibility/2006" xmlns:mv="urn:schemas-microsoft-com:mac:vml" xmlns:p="http://schemas.openxmlformats.org/presentationml/2006/main" xmlns:c="http://schemas.openxmlformats.org/drawingml/2006/chart" xmlns:dgm="http://schemas.openxmlformats.org/drawingml/2006/diagram" xmlns:o="urn:schemas-microsoft-com:office:office" xmlns:v="urn:schemas-microsoft-com:vml" xmlns:pvml="urn:schemas-microsoft-com:office:powerpoint" xmlns:com="http://schemas.openxmlformats.org/drawingml/2006/compatibility" xmlns:p14="http://schemas.microsoft.com/office/powerpoint/2010/main" xmlns:p15="http://schemas.microsoft.com/office/powerpoint/2012/main" xmlns:ahyp="http://schemas.microsoft.com/office/drawing/2018/hyperlinkcolor" showMasterPhAnim="0" showMasterSp="0">
+  <p:cSld>
+    <p:spTree>
+      <p:nvGrpSpPr>
+        <p:cNvPr id="147" name="Shape 147"/>
+        <p:cNvGrpSpPr/>
+        <p:nvPr/>
+      </p:nvGrpSpPr>
+      <p:grpSpPr>
+        <a:xfrm>
+          <a:off x="0" y="0"/>
+          <a:ext cx="0" cy="0"/>
+          <a:chOff x="0" y="0"/>
+          <a:chExt cx="0" cy="0"/>
+        </a:xfrm>
+      </p:grpSpPr>
+      <p:sp>
+        <p:nvSpPr>
+          <p:cNvPr id="148" name="Google Shape;148;g3ceef9d859183748_33:notes"/>
+          <p:cNvSpPr/>
+          <p:nvPr>
+            <p:ph idx="2" type="sldImg"/>
+          </p:nvPr>
+        </p:nvSpPr>
+        <p:spPr>
+          <a:xfrm>
+            <a:off x="381300" y="685800"/>
+            <a:ext cx="6096000" cy="3429000"/>
+          </a:xfrm>
+          <a:custGeom>
+            <a:rect b="b" l="l" r="r" t="t"/>
+            <a:pathLst>
+              <a:path extrusionOk="0" h="120000" w="120000">
+                <a:moveTo>
+                  <a:pt x="0" y="0"/>
+                </a:moveTo>
+                <a:lnTo>
+                  <a:pt x="120000" y="0"/>
+                </a:lnTo>
+                <a:lnTo>
+                  <a:pt x="120000" y="120000"/>
+                </a:lnTo>
+                <a:lnTo>
+                  <a:pt x="0" y="120000"/>
+                </a:lnTo>
+                <a:close/>
+              </a:path>
+            </a:pathLst>
+          </a:custGeom>
+        </p:spPr>
+      </p:sp>
+      <p:sp>
+        <p:nvSpPr>
+          <p:cNvPr id="149" name="Google Shape;149;g3ceef9d859183748_33:notes"/>
+          <p:cNvSpPr txBox="1"/>
+          <p:nvPr>
+            <p:ph idx="1" type="body"/>
+          </p:nvPr>
+        </p:nvSpPr>
+        <p:spPr>
+          <a:xfrm>
+            <a:off x="685800" y="4343400"/>
+            <a:ext cx="5486400" cy="4114800"/>
+          </a:xfrm>
+          <a:prstGeom prst="rect">
+            <a:avLst/>
+          </a:prstGeom>
+        </p:spPr>
+        <p:txBody>
+          <a:bodyPr anchorCtr="0" anchor="t" bIns="91425" lIns="91425" spcFirstLastPara="1" rIns="91425" wrap="square" tIns="91425">
+            <a:noAutofit/>
+          </a:bodyPr>
+          <a:lstStyle/>
+          <a:p>
+            <a:pPr indent="0" lvl="0" marL="0" rtl="0" algn="l">
+              <a:spcBef>
+                <a:spcPts val="0"/>
+              </a:spcBef>
+              <a:spcAft>
+                <a:spcPts val="0"/>
+              </a:spcAft>
+              <a:buNone/>
+            </a:pPr>
+            <a:r>
+              <a:t/>
+            </a:r>
+            <a:endParaRPr/>
+          </a:p>
+        </p:txBody>
+      </p:sp>
+    </p:spTree>
+  </p:cSld>
+  <p:clrMapOvr>
+    <a:masterClrMapping/>
+  </p:clrMapOvr>
+</p:notes>
+</file>
+
+<file path=ppt/notesSlides/notesSlide14.xml><?xml version="1.0" encoding="utf-8"?>
+<p:notes xmlns:a="http://schemas.openxmlformats.org/drawingml/2006/main" xmlns:r="http://schemas.openxmlformats.org/officeDocument/2006/relationships" xmlns:mc="http://schemas.openxmlformats.org/markup-compatibility/2006" xmlns:mv="urn:schemas-microsoft-com:mac:vml" xmlns:p="http://schemas.openxmlformats.org/presentationml/2006/main" xmlns:c="http://schemas.openxmlformats.org/drawingml/2006/chart" xmlns:dgm="http://schemas.openxmlformats.org/drawingml/2006/diagram" xmlns:o="urn:schemas-microsoft-com:office:office" xmlns:v="urn:schemas-microsoft-com:vml" xmlns:pvml="urn:schemas-microsoft-com:office:powerpoint" xmlns:com="http://schemas.openxmlformats.org/drawingml/2006/compatibility" xmlns:p14="http://schemas.microsoft.com/office/powerpoint/2010/main" xmlns:p15="http://schemas.microsoft.com/office/powerpoint/2012/main" xmlns:ahyp="http://schemas.microsoft.com/office/drawing/2018/hyperlinkcolor" showMasterPhAnim="0" showMasterSp="0">
+  <p:cSld>
+    <p:spTree>
+      <p:nvGrpSpPr>
+        <p:cNvPr id="154" name="Shape 154"/>
+        <p:cNvGrpSpPr/>
+        <p:nvPr/>
+      </p:nvGrpSpPr>
+      <p:grpSpPr>
+        <a:xfrm>
+          <a:off x="0" y="0"/>
+          <a:ext cx="0" cy="0"/>
+          <a:chOff x="0" y="0"/>
+          <a:chExt cx="0" cy="0"/>
+        </a:xfrm>
+      </p:grpSpPr>
+      <p:sp>
+        <p:nvSpPr>
+          <p:cNvPr id="155" name="Google Shape;155;g2b4ebaad97e_0_394:notes"/>
+          <p:cNvSpPr/>
+          <p:nvPr>
+            <p:ph idx="2" type="sldImg"/>
+          </p:nvPr>
+        </p:nvSpPr>
+        <p:spPr>
+          <a:xfrm>
+            <a:off x="381300" y="685800"/>
+            <a:ext cx="6096000" cy="3429000"/>
+          </a:xfrm>
+          <a:custGeom>
+            <a:rect b="b" l="l" r="r" t="t"/>
+            <a:pathLst>
+              <a:path extrusionOk="0" h="120000" w="120000">
+                <a:moveTo>
+                  <a:pt x="0" y="0"/>
+                </a:moveTo>
+                <a:lnTo>
+                  <a:pt x="120000" y="0"/>
+                </a:lnTo>
+                <a:lnTo>
+                  <a:pt x="120000" y="120000"/>
+                </a:lnTo>
+                <a:lnTo>
+                  <a:pt x="0" y="120000"/>
+                </a:lnTo>
+                <a:close/>
+              </a:path>
+            </a:pathLst>
+          </a:custGeom>
+        </p:spPr>
+      </p:sp>
+      <p:sp>
+        <p:nvSpPr>
+          <p:cNvPr id="156" name="Google Shape;156;g2b4ebaad97e_0_394:notes"/>
+          <p:cNvSpPr txBox="1"/>
+          <p:nvPr>
+            <p:ph idx="1" type="body"/>
+          </p:nvPr>
+        </p:nvSpPr>
+        <p:spPr>
+          <a:xfrm>
+            <a:off x="685800" y="4343400"/>
+            <a:ext cx="5486400" cy="4114800"/>
+          </a:xfrm>
+          <a:prstGeom prst="rect">
+            <a:avLst/>
+          </a:prstGeom>
+        </p:spPr>
+        <p:txBody>
+          <a:bodyPr anchorCtr="0" anchor="t" bIns="91425" lIns="91425" spcFirstLastPara="1" rIns="91425" wrap="square" tIns="91425">
+            <a:noAutofit/>
+          </a:bodyPr>
+          <a:lstStyle/>
+          <a:p>
+            <a:pPr indent="0" lvl="0" marL="0" rtl="0" algn="l">
+              <a:spcBef>
+                <a:spcPts val="0"/>
+              </a:spcBef>
+              <a:spcAft>
+                <a:spcPts val="0"/>
+              </a:spcAft>
+              <a:buNone/>
+            </a:pPr>
+            <a:r>
+              <a:t/>
+            </a:r>
+            <a:endParaRPr/>
+          </a:p>
+        </p:txBody>
+      </p:sp>
+    </p:spTree>
+  </p:cSld>
+  <p:clrMapOvr>
+    <a:masterClrMapping/>
+  </p:clrMapOvr>
+</p:notes>
+</file>
+
+<file path=ppt/notesSlides/notesSlide15.xml><?xml version="1.0" encoding="utf-8"?>
+<p:notes xmlns:a="http://schemas.openxmlformats.org/drawingml/2006/main" xmlns:r="http://schemas.openxmlformats.org/officeDocument/2006/relationships" xmlns:mc="http://schemas.openxmlformats.org/markup-compatibility/2006" xmlns:mv="urn:schemas-microsoft-com:mac:vml" xmlns:p="http://schemas.openxmlformats.org/presentationml/2006/main" xmlns:c="http://schemas.openxmlformats.org/drawingml/2006/chart" xmlns:dgm="http://schemas.openxmlformats.org/drawingml/2006/diagram" xmlns:o="urn:schemas-microsoft-com:office:office" xmlns:v="urn:schemas-microsoft-com:vml" xmlns:pvml="urn:schemas-microsoft-com:office:powerpoint" xmlns:com="http://schemas.openxmlformats.org/drawingml/2006/compatibility" xmlns:p14="http://schemas.microsoft.com/office/powerpoint/2010/main" xmlns:p15="http://schemas.microsoft.com/office/powerpoint/2012/main" xmlns:ahyp="http://schemas.microsoft.com/office/drawing/2018/hyperlinkcolor" showMasterPhAnim="0" showMasterSp="0">
+  <p:cSld>
+    <p:spTree>
+      <p:nvGrpSpPr>
+        <p:cNvPr id="163" name="Shape 163"/>
+        <p:cNvGrpSpPr/>
+        <p:nvPr/>
+      </p:nvGrpSpPr>
+      <p:grpSpPr>
+        <a:xfrm>
+          <a:off x="0" y="0"/>
+          <a:ext cx="0" cy="0"/>
+          <a:chOff x="0" y="0"/>
+          <a:chExt cx="0" cy="0"/>
+        </a:xfrm>
+      </p:grpSpPr>
+      <p:sp>
+        <p:nvSpPr>
+          <p:cNvPr id="164" name="Google Shape;164;g2b4ebaad97e_0_406:notes"/>
+          <p:cNvSpPr/>
+          <p:nvPr>
+            <p:ph idx="2" type="sldImg"/>
+          </p:nvPr>
+        </p:nvSpPr>
+        <p:spPr>
+          <a:xfrm>
+            <a:off x="381300" y="685800"/>
+            <a:ext cx="6096000" cy="3429000"/>
+          </a:xfrm>
+          <a:custGeom>
+            <a:rect b="b" l="l" r="r" t="t"/>
+            <a:pathLst>
+              <a:path extrusionOk="0" h="120000" w="120000">
+                <a:moveTo>
+                  <a:pt x="0" y="0"/>
+                </a:moveTo>
+                <a:lnTo>
+                  <a:pt x="120000" y="0"/>
+                </a:lnTo>
+                <a:lnTo>
+                  <a:pt x="120000" y="120000"/>
+                </a:lnTo>
+                <a:lnTo>
+                  <a:pt x="0" y="120000"/>
+                </a:lnTo>
+                <a:close/>
+              </a:path>
+            </a:pathLst>
+          </a:custGeom>
+        </p:spPr>
+      </p:sp>
+      <p:sp>
+        <p:nvSpPr>
+          <p:cNvPr id="165" name="Google Shape;165;g2b4ebaad97e_0_406:notes"/>
+          <p:cNvSpPr txBox="1"/>
+          <p:nvPr>
+            <p:ph idx="1" type="body"/>
+          </p:nvPr>
+        </p:nvSpPr>
+        <p:spPr>
+          <a:xfrm>
+            <a:off x="685800" y="4343400"/>
+            <a:ext cx="5486400" cy="4114800"/>
+          </a:xfrm>
+          <a:prstGeom prst="rect">
+            <a:avLst/>
+          </a:prstGeom>
+        </p:spPr>
+        <p:txBody>
+          <a:bodyPr anchorCtr="0" anchor="t" bIns="91425" lIns="91425" spcFirstLastPara="1" rIns="91425" wrap="square" tIns="91425">
+            <a:noAutofit/>
+          </a:bodyPr>
+          <a:lstStyle/>
+          <a:p>
+            <a:pPr indent="0" lvl="0" marL="0" rtl="0" algn="l">
+              <a:spcBef>
+                <a:spcPts val="0"/>
+              </a:spcBef>
+              <a:spcAft>
+                <a:spcPts val="0"/>
+              </a:spcAft>
+              <a:buNone/>
+            </a:pPr>
+            <a:r>
+              <a:t/>
+            </a:r>
+            <a:endParaRPr/>
+          </a:p>
+        </p:txBody>
+      </p:sp>
+    </p:spTree>
+  </p:cSld>
+  <p:clrMapOvr>
+    <a:masterClrMapping/>
+  </p:clrMapOvr>
+</p:notes>
+</file>
+
+<file path=ppt/notesSlides/notesSlide16.xml><?xml version="1.0" encoding="utf-8"?>
+<p:notes xmlns:a="http://schemas.openxmlformats.org/drawingml/2006/main" xmlns:r="http://schemas.openxmlformats.org/officeDocument/2006/relationships" xmlns:mc="http://schemas.openxmlformats.org/markup-compatibility/2006" xmlns:mv="urn:schemas-microsoft-com:mac:vml" xmlns:p="http://schemas.openxmlformats.org/presentationml/2006/main" xmlns:c="http://schemas.openxmlformats.org/drawingml/2006/chart" xmlns:dgm="http://schemas.openxmlformats.org/drawingml/2006/diagram" xmlns:o="urn:schemas-microsoft-com:office:office" xmlns:v="urn:schemas-microsoft-com:vml" xmlns:pvml="urn:schemas-microsoft-com:office:powerpoint" xmlns:com="http://schemas.openxmlformats.org/drawingml/2006/compatibility" xmlns:p14="http://schemas.microsoft.com/office/powerpoint/2010/main" xmlns:p15="http://schemas.microsoft.com/office/powerpoint/2012/main" xmlns:ahyp="http://schemas.microsoft.com/office/drawing/2018/hyperlinkcolor" showMasterPhAnim="0" showMasterSp="0">
+  <p:cSld>
+    <p:spTree>
+      <p:nvGrpSpPr>
+        <p:cNvPr id="171" name="Shape 171"/>
+        <p:cNvGrpSpPr/>
+        <p:nvPr/>
+      </p:nvGrpSpPr>
+      <p:grpSpPr>
+        <a:xfrm>
+          <a:off x="0" y="0"/>
+          <a:ext cx="0" cy="0"/>
+          <a:chOff x="0" y="0"/>
+          <a:chExt cx="0" cy="0"/>
+        </a:xfrm>
+      </p:grpSpPr>
+      <p:sp>
+        <p:nvSpPr>
+          <p:cNvPr id="172" name="Google Shape;172;g2b4ebaad97e_0_420:notes"/>
+          <p:cNvSpPr/>
+          <p:nvPr>
+            <p:ph idx="2" type="sldImg"/>
+          </p:nvPr>
+        </p:nvSpPr>
+        <p:spPr>
+          <a:xfrm>
+            <a:off x="381300" y="685800"/>
+            <a:ext cx="6096000" cy="3429000"/>
+          </a:xfrm>
+          <a:custGeom>
+            <a:rect b="b" l="l" r="r" t="t"/>
+            <a:pathLst>
+              <a:path extrusionOk="0" h="120000" w="120000">
+                <a:moveTo>
+                  <a:pt x="0" y="0"/>
+                </a:moveTo>
+                <a:lnTo>
+                  <a:pt x="120000" y="0"/>
+                </a:lnTo>
+                <a:lnTo>
+                  <a:pt x="120000" y="120000"/>
+                </a:lnTo>
+                <a:lnTo>
+                  <a:pt x="0" y="120000"/>
+                </a:lnTo>
+                <a:close/>
+              </a:path>
+            </a:pathLst>
+          </a:custGeom>
+        </p:spPr>
+      </p:sp>
+      <p:sp>
+        <p:nvSpPr>
+          <p:cNvPr id="173" name="Google Shape;173;g2b4ebaad97e_0_420:notes"/>
           <p:cNvSpPr txBox="1"/>
           <p:nvPr>
             <p:ph idx="1" type="body"/>
@@ -1306,7 +1806,7 @@
   <p:cSld>
     <p:spTree>
       <p:nvGrpSpPr>
-        <p:cNvPr id="82" name="Shape 82"/>
+        <p:cNvPr id="83" name="Shape 83"/>
         <p:cNvGrpSpPr/>
         <p:nvPr/>
       </p:nvGrpSpPr>
@@ -1320,7 +1820,7 @@
       </p:grpSpPr>
       <p:sp>
         <p:nvSpPr>
-          <p:cNvPr id="83" name="Google Shape;83;g2b4ebaad97e_0_349:notes"/>
+          <p:cNvPr id="84" name="Google Shape;84;g3ceef9d859183748_0:notes"/>
           <p:cNvSpPr/>
           <p:nvPr>
             <p:ph idx="2" type="sldImg"/>
@@ -1355,7 +1855,7 @@
       </p:sp>
       <p:sp>
         <p:nvSpPr>
-          <p:cNvPr id="84" name="Google Shape;84;g2b4ebaad97e_0_349:notes"/>
+          <p:cNvPr id="85" name="Google Shape;85;g3ceef9d859183748_0:notes"/>
           <p:cNvSpPr txBox="1"/>
           <p:nvPr>
             <p:ph idx="1" type="body"/>
@@ -1419,7 +1919,7 @@
       </p:grpSpPr>
       <p:sp>
         <p:nvSpPr>
-          <p:cNvPr id="91" name="Google Shape;91;g2b4ebaad97e_0_356:notes"/>
+          <p:cNvPr id="91" name="Google Shape;91;g2b4ebaad97e_0_349:notes"/>
           <p:cNvSpPr/>
           <p:nvPr>
             <p:ph idx="2" type="sldImg"/>
@@ -1454,7 +1954,7 @@
       </p:sp>
       <p:sp>
         <p:nvSpPr>
-          <p:cNvPr id="92" name="Google Shape;92;g2b4ebaad97e_0_356:notes"/>
+          <p:cNvPr id="92" name="Google Shape;92;g2b4ebaad97e_0_349:notes"/>
           <p:cNvSpPr txBox="1"/>
           <p:nvPr>
             <p:ph idx="1" type="body"/>
@@ -1504,7 +2004,7 @@
   <p:cSld>
     <p:spTree>
       <p:nvGrpSpPr>
-        <p:cNvPr id="98" name="Shape 98"/>
+        <p:cNvPr id="99" name="Shape 99"/>
         <p:cNvGrpSpPr/>
         <p:nvPr/>
       </p:nvGrpSpPr>
@@ -1518,7 +2018,7 @@
       </p:grpSpPr>
       <p:sp>
         <p:nvSpPr>
-          <p:cNvPr id="99" name="Google Shape;99;g2b4ebaad97e_0_363:notes"/>
+          <p:cNvPr id="100" name="Google Shape;100;g3ceef9d859183748_8:notes"/>
           <p:cNvSpPr/>
           <p:nvPr>
             <p:ph idx="2" type="sldImg"/>
@@ -1553,7 +2053,7 @@
       </p:sp>
       <p:sp>
         <p:nvSpPr>
-          <p:cNvPr id="100" name="Google Shape;100;g2b4ebaad97e_0_363:notes"/>
+          <p:cNvPr id="101" name="Google Shape;101;g3ceef9d859183748_8:notes"/>
           <p:cNvSpPr txBox="1"/>
           <p:nvPr>
             <p:ph idx="1" type="body"/>
@@ -1617,7 +2117,7 @@
       </p:grpSpPr>
       <p:sp>
         <p:nvSpPr>
-          <p:cNvPr id="107" name="Google Shape;107;g2b4ebaad97e_0_370:notes"/>
+          <p:cNvPr id="107" name="Google Shape;107;g2b4ebaad97e_0_356:notes"/>
           <p:cNvSpPr/>
           <p:nvPr>
             <p:ph idx="2" type="sldImg"/>
@@ -1652,7 +2152,7 @@
       </p:sp>
       <p:sp>
         <p:nvSpPr>
-          <p:cNvPr id="108" name="Google Shape;108;g2b4ebaad97e_0_370:notes"/>
+          <p:cNvPr id="108" name="Google Shape;108;g2b4ebaad97e_0_356:notes"/>
           <p:cNvSpPr txBox="1"/>
           <p:nvPr>
             <p:ph idx="1" type="body"/>
@@ -1702,7 +2202,7 @@
   <p:cSld>
     <p:spTree>
       <p:nvGrpSpPr>
-        <p:cNvPr id="114" name="Shape 114"/>
+        <p:cNvPr id="115" name="Shape 115"/>
         <p:cNvGrpSpPr/>
         <p:nvPr/>
       </p:nvGrpSpPr>
@@ -1716,7 +2216,7 @@
       </p:grpSpPr>
       <p:sp>
         <p:nvSpPr>
-          <p:cNvPr id="115" name="Google Shape;115;g2b4ebaad97e_0_394:notes"/>
+          <p:cNvPr id="116" name="Google Shape;116;g3ceef9d859183748_17:notes"/>
           <p:cNvSpPr/>
           <p:nvPr>
             <p:ph idx="2" type="sldImg"/>
@@ -1751,7 +2251,7 @@
       </p:sp>
       <p:sp>
         <p:nvSpPr>
-          <p:cNvPr id="116" name="Google Shape;116;g2b4ebaad97e_0_394:notes"/>
+          <p:cNvPr id="117" name="Google Shape;117;g3ceef9d859183748_17:notes"/>
           <p:cNvSpPr txBox="1"/>
           <p:nvPr>
             <p:ph idx="1" type="body"/>
@@ -7238,6 +7738,897 @@
             </a:pPr>
             <a:r>
               <a:rPr lang="en"/>
+              <a:t>ROUND ROBIN SCHEDULING</a:t>
+            </a:r>
+            <a:endParaRPr/>
+          </a:p>
+        </p:txBody>
+      </p:sp>
+      <p:sp>
+        <p:nvSpPr>
+          <p:cNvPr id="127" name="Google Shape;127;p22"/>
+          <p:cNvSpPr txBox="1"/>
+          <p:nvPr>
+            <p:ph idx="1" type="body"/>
+          </p:nvPr>
+        </p:nvSpPr>
+        <p:spPr>
+          <a:xfrm>
+            <a:off x="311700" y="1152475"/>
+            <a:ext cx="3999900" cy="3795000"/>
+          </a:xfrm>
+          <a:prstGeom prst="rect">
+            <a:avLst/>
+          </a:prstGeom>
+        </p:spPr>
+        <p:txBody>
+          <a:bodyPr anchorCtr="0" anchor="t" bIns="91425" lIns="91425" spcFirstLastPara="1" rIns="91425" wrap="square" tIns="91425">
+            <a:normAutofit/>
+          </a:bodyPr>
+          <a:lstStyle/>
+          <a:p>
+            <a:pPr indent="0" lvl="0" marL="0" rtl="0" algn="l">
+              <a:spcBef>
+                <a:spcPts val="0"/>
+              </a:spcBef>
+              <a:spcAft>
+                <a:spcPts val="1200"/>
+              </a:spcAft>
+              <a:buNone/>
+            </a:pPr>
+            <a:r>
+              <a:t/>
+            </a:r>
+            <a:endParaRPr sz="1400">
+              <a:solidFill>
+                <a:schemeClr val="dk1"/>
+              </a:solidFill>
+            </a:endParaRPr>
+          </a:p>
+        </p:txBody>
+      </p:sp>
+      <p:sp>
+        <p:nvSpPr>
+          <p:cNvPr id="128" name="Google Shape;128;p22"/>
+          <p:cNvSpPr txBox="1"/>
+          <p:nvPr>
+            <p:ph idx="2" type="body"/>
+          </p:nvPr>
+        </p:nvSpPr>
+        <p:spPr>
+          <a:xfrm>
+            <a:off x="4832400" y="1152475"/>
+            <a:ext cx="3999900" cy="3416400"/>
+          </a:xfrm>
+          <a:prstGeom prst="rect">
+            <a:avLst/>
+          </a:prstGeom>
+        </p:spPr>
+        <p:txBody>
+          <a:bodyPr anchorCtr="0" anchor="t" bIns="91425" lIns="91425" spcFirstLastPara="1" rIns="91425" wrap="square" tIns="91425">
+            <a:normAutofit/>
+          </a:bodyPr>
+          <a:lstStyle/>
+          <a:p>
+            <a:pPr indent="0" lvl="0" marL="0" rtl="0" algn="l">
+              <a:spcBef>
+                <a:spcPts val="0"/>
+              </a:spcBef>
+              <a:spcAft>
+                <a:spcPts val="1200"/>
+              </a:spcAft>
+              <a:buNone/>
+            </a:pPr>
+            <a:r>
+              <a:t/>
+            </a:r>
+            <a:endParaRPr/>
+          </a:p>
+        </p:txBody>
+      </p:sp>
+      <p:pic>
+        <p:nvPicPr>
+          <p:cNvPr id="129" name="Google Shape;129;p22"/>
+          <p:cNvPicPr preferRelativeResize="0"/>
+          <p:nvPr/>
+        </p:nvPicPr>
+        <p:blipFill rotWithShape="1">
+          <a:blip r:embed="rId3">
+            <a:alphaModFix/>
+          </a:blip>
+          <a:srcRect b="4634" l="5292" r="5005" t="4497"/>
+          <a:stretch/>
+        </p:blipFill>
+        <p:spPr>
+          <a:xfrm>
+            <a:off x="311700" y="1017725"/>
+            <a:ext cx="3999900" cy="3929750"/>
+          </a:xfrm>
+          <a:prstGeom prst="rect">
+            <a:avLst/>
+          </a:prstGeom>
+          <a:noFill/>
+          <a:ln>
+            <a:noFill/>
+          </a:ln>
+        </p:spPr>
+      </p:pic>
+      <p:pic>
+        <p:nvPicPr>
+          <p:cNvPr id="130" name="Google Shape;130;p22"/>
+          <p:cNvPicPr preferRelativeResize="0"/>
+          <p:nvPr/>
+        </p:nvPicPr>
+        <p:blipFill>
+          <a:blip r:embed="rId4">
+            <a:alphaModFix/>
+          </a:blip>
+          <a:stretch>
+            <a:fillRect/>
+          </a:stretch>
+        </p:blipFill>
+        <p:spPr>
+          <a:xfrm>
+            <a:off x="4832403" y="1190625"/>
+            <a:ext cx="3875847" cy="3416400"/>
+          </a:xfrm>
+          <a:prstGeom prst="rect">
+            <a:avLst/>
+          </a:prstGeom>
+          <a:noFill/>
+          <a:ln>
+            <a:noFill/>
+          </a:ln>
+        </p:spPr>
+      </p:pic>
+    </p:spTree>
+  </p:cSld>
+  <p:clrMapOvr>
+    <a:masterClrMapping/>
+  </p:clrMapOvr>
+</p:sld>
+</file>
+
+<file path=ppt/slides/slide11.xml><?xml version="1.0" encoding="utf-8"?>
+<p:sld xmlns:a="http://schemas.openxmlformats.org/drawingml/2006/main" xmlns:r="http://schemas.openxmlformats.org/officeDocument/2006/relationships" xmlns:mc="http://schemas.openxmlformats.org/markup-compatibility/2006" xmlns:mv="urn:schemas-microsoft-com:mac:vml" xmlns:p="http://schemas.openxmlformats.org/presentationml/2006/main" xmlns:c="http://schemas.openxmlformats.org/drawingml/2006/chart" xmlns:dgm="http://schemas.openxmlformats.org/drawingml/2006/diagram" xmlns:o="urn:schemas-microsoft-com:office:office" xmlns:v="urn:schemas-microsoft-com:vml" xmlns:pvml="urn:schemas-microsoft-com:office:powerpoint" xmlns:com="http://schemas.openxmlformats.org/drawingml/2006/compatibility" xmlns:p14="http://schemas.microsoft.com/office/powerpoint/2010/main" xmlns:p15="http://schemas.microsoft.com/office/powerpoint/2012/main" xmlns:ahyp="http://schemas.microsoft.com/office/drawing/2018/hyperlinkcolor">
+  <p:cSld>
+    <p:spTree>
+      <p:nvGrpSpPr>
+        <p:cNvPr id="134" name="Shape 134"/>
+        <p:cNvGrpSpPr/>
+        <p:nvPr/>
+      </p:nvGrpSpPr>
+      <p:grpSpPr>
+        <a:xfrm>
+          <a:off x="0" y="0"/>
+          <a:ext cx="0" cy="0"/>
+          <a:chOff x="0" y="0"/>
+          <a:chExt cx="0" cy="0"/>
+        </a:xfrm>
+      </p:grpSpPr>
+      <p:sp>
+        <p:nvSpPr>
+          <p:cNvPr id="135" name="Google Shape;135;p23"/>
+          <p:cNvSpPr txBox="1"/>
+          <p:nvPr>
+            <p:ph type="title"/>
+          </p:nvPr>
+        </p:nvSpPr>
+        <p:spPr>
+          <a:xfrm>
+            <a:off x="311700" y="445025"/>
+            <a:ext cx="8520600" cy="572700"/>
+          </a:xfrm>
+          <a:prstGeom prst="rect">
+            <a:avLst/>
+          </a:prstGeom>
+        </p:spPr>
+        <p:txBody>
+          <a:bodyPr anchorCtr="0" anchor="t" bIns="91425" lIns="91425" spcFirstLastPara="1" rIns="91425" wrap="square" tIns="91425">
+            <a:normAutofit fontScale="90000"/>
+          </a:bodyPr>
+          <a:lstStyle/>
+          <a:p>
+            <a:pPr indent="0" lvl="0" marL="0" rtl="0" algn="l">
+              <a:spcBef>
+                <a:spcPts val="0"/>
+              </a:spcBef>
+              <a:spcAft>
+                <a:spcPts val="0"/>
+              </a:spcAft>
+              <a:buNone/>
+            </a:pPr>
+            <a:r>
+              <a:rPr lang="en"/>
+              <a:t>ROUND ROBIN SCHEDULING</a:t>
+            </a:r>
+            <a:endParaRPr/>
+          </a:p>
+        </p:txBody>
+      </p:sp>
+      <p:sp>
+        <p:nvSpPr>
+          <p:cNvPr id="136" name="Google Shape;136;p23"/>
+          <p:cNvSpPr txBox="1"/>
+          <p:nvPr>
+            <p:ph idx="1" type="body"/>
+          </p:nvPr>
+        </p:nvSpPr>
+        <p:spPr>
+          <a:xfrm>
+            <a:off x="311700" y="1152475"/>
+            <a:ext cx="3999900" cy="3795000"/>
+          </a:xfrm>
+          <a:prstGeom prst="rect">
+            <a:avLst/>
+          </a:prstGeom>
+        </p:spPr>
+        <p:txBody>
+          <a:bodyPr anchorCtr="0" anchor="t" bIns="91425" lIns="91425" spcFirstLastPara="1" rIns="91425" wrap="square" tIns="91425">
+            <a:normAutofit/>
+          </a:bodyPr>
+          <a:lstStyle/>
+          <a:p>
+            <a:pPr indent="-330200" lvl="0" marL="457200" rtl="0" algn="l">
+              <a:spcBef>
+                <a:spcPts val="0"/>
+              </a:spcBef>
+              <a:spcAft>
+                <a:spcPts val="0"/>
+              </a:spcAft>
+              <a:buClr>
+                <a:schemeClr val="dk1"/>
+              </a:buClr>
+              <a:buSzPts val="1600"/>
+              <a:buChar char="●"/>
+            </a:pPr>
+            <a:r>
+              <a:rPr lang="en" sz="1600">
+                <a:solidFill>
+                  <a:schemeClr val="dk1"/>
+                </a:solidFill>
+              </a:rPr>
+              <a:t>Advantage: </a:t>
+            </a:r>
+            <a:endParaRPr sz="1600">
+              <a:solidFill>
+                <a:schemeClr val="dk1"/>
+              </a:solidFill>
+            </a:endParaRPr>
+          </a:p>
+          <a:p>
+            <a:pPr indent="-317500" lvl="1" marL="914400" rtl="0" algn="l">
+              <a:lnSpc>
+                <a:spcPct val="115000"/>
+              </a:lnSpc>
+              <a:spcBef>
+                <a:spcPts val="0"/>
+              </a:spcBef>
+              <a:spcAft>
+                <a:spcPts val="0"/>
+              </a:spcAft>
+              <a:buClr>
+                <a:schemeClr val="dk1"/>
+              </a:buClr>
+              <a:buSzPts val="1400"/>
+              <a:buChar char="○"/>
+            </a:pPr>
+            <a:r>
+              <a:rPr lang="en" sz="1400">
+                <a:solidFill>
+                  <a:schemeClr val="dk1"/>
+                </a:solidFill>
+              </a:rPr>
+              <a:t>Fairness in terms of process execution; all processes get an equal share of the CPU.</a:t>
+            </a:r>
+            <a:endParaRPr sz="1400">
+              <a:solidFill>
+                <a:schemeClr val="dk1"/>
+              </a:solidFill>
+            </a:endParaRPr>
+          </a:p>
+          <a:p>
+            <a:pPr indent="-330200" lvl="0" marL="457200" rtl="0" algn="l">
+              <a:spcBef>
+                <a:spcPts val="0"/>
+              </a:spcBef>
+              <a:spcAft>
+                <a:spcPts val="0"/>
+              </a:spcAft>
+              <a:buClr>
+                <a:schemeClr val="dk1"/>
+              </a:buClr>
+              <a:buSzPts val="1600"/>
+              <a:buChar char="●"/>
+            </a:pPr>
+            <a:r>
+              <a:rPr lang="en" sz="1600">
+                <a:solidFill>
+                  <a:schemeClr val="dk1"/>
+                </a:solidFill>
+              </a:rPr>
+              <a:t>Drawback: </a:t>
+            </a:r>
+            <a:endParaRPr sz="1600">
+              <a:solidFill>
+                <a:schemeClr val="dk1"/>
+              </a:solidFill>
+            </a:endParaRPr>
+          </a:p>
+          <a:p>
+            <a:pPr indent="-317500" lvl="1" marL="914400" rtl="0" algn="l">
+              <a:spcBef>
+                <a:spcPts val="0"/>
+              </a:spcBef>
+              <a:spcAft>
+                <a:spcPts val="0"/>
+              </a:spcAft>
+              <a:buClr>
+                <a:schemeClr val="dk1"/>
+              </a:buClr>
+              <a:buSzPts val="1400"/>
+              <a:buChar char="○"/>
+            </a:pPr>
+            <a:r>
+              <a:rPr lang="en" sz="1400">
+                <a:solidFill>
+                  <a:schemeClr val="dk1"/>
+                </a:solidFill>
+              </a:rPr>
+              <a:t>High turnaround time for long processes, and the time quantum needs careful tuning.</a:t>
+            </a:r>
+            <a:endParaRPr sz="1400">
+              <a:solidFill>
+                <a:schemeClr val="dk1"/>
+              </a:solidFill>
+            </a:endParaRPr>
+          </a:p>
+        </p:txBody>
+      </p:sp>
+      <p:sp>
+        <p:nvSpPr>
+          <p:cNvPr id="137" name="Google Shape;137;p23"/>
+          <p:cNvSpPr txBox="1"/>
+          <p:nvPr>
+            <p:ph idx="2" type="body"/>
+          </p:nvPr>
+        </p:nvSpPr>
+        <p:spPr>
+          <a:xfrm>
+            <a:off x="4832400" y="1152475"/>
+            <a:ext cx="3999900" cy="3416400"/>
+          </a:xfrm>
+          <a:prstGeom prst="rect">
+            <a:avLst/>
+          </a:prstGeom>
+        </p:spPr>
+        <p:txBody>
+          <a:bodyPr anchorCtr="0" anchor="t" bIns="91425" lIns="91425" spcFirstLastPara="1" rIns="91425" wrap="square" tIns="91425">
+            <a:normAutofit/>
+          </a:bodyPr>
+          <a:lstStyle/>
+          <a:p>
+            <a:pPr indent="0" lvl="0" marL="0" rtl="0" algn="l">
+              <a:spcBef>
+                <a:spcPts val="0"/>
+              </a:spcBef>
+              <a:spcAft>
+                <a:spcPts val="1200"/>
+              </a:spcAft>
+              <a:buNone/>
+            </a:pPr>
+            <a:r>
+              <a:t/>
+            </a:r>
+            <a:endParaRPr/>
+          </a:p>
+        </p:txBody>
+      </p:sp>
+    </p:spTree>
+  </p:cSld>
+  <p:clrMapOvr>
+    <a:masterClrMapping/>
+  </p:clrMapOvr>
+</p:sld>
+</file>
+
+<file path=ppt/slides/slide12.xml><?xml version="1.0" encoding="utf-8"?>
+<p:sld xmlns:a="http://schemas.openxmlformats.org/drawingml/2006/main" xmlns:r="http://schemas.openxmlformats.org/officeDocument/2006/relationships" xmlns:mc="http://schemas.openxmlformats.org/markup-compatibility/2006" xmlns:mv="urn:schemas-microsoft-com:mac:vml" xmlns:p="http://schemas.openxmlformats.org/presentationml/2006/main" xmlns:c="http://schemas.openxmlformats.org/drawingml/2006/chart" xmlns:dgm="http://schemas.openxmlformats.org/drawingml/2006/diagram" xmlns:o="urn:schemas-microsoft-com:office:office" xmlns:v="urn:schemas-microsoft-com:vml" xmlns:pvml="urn:schemas-microsoft-com:office:powerpoint" xmlns:com="http://schemas.openxmlformats.org/drawingml/2006/compatibility" xmlns:p14="http://schemas.microsoft.com/office/powerpoint/2010/main" xmlns:p15="http://schemas.microsoft.com/office/powerpoint/2012/main" xmlns:ahyp="http://schemas.microsoft.com/office/drawing/2018/hyperlinkcolor">
+  <p:cSld>
+    <p:spTree>
+      <p:nvGrpSpPr>
+        <p:cNvPr id="141" name="Shape 141"/>
+        <p:cNvGrpSpPr/>
+        <p:nvPr/>
+      </p:nvGrpSpPr>
+      <p:grpSpPr>
+        <a:xfrm>
+          <a:off x="0" y="0"/>
+          <a:ext cx="0" cy="0"/>
+          <a:chOff x="0" y="0"/>
+          <a:chExt cx="0" cy="0"/>
+        </a:xfrm>
+      </p:grpSpPr>
+      <p:sp>
+        <p:nvSpPr>
+          <p:cNvPr id="142" name="Google Shape;142;p24"/>
+          <p:cNvSpPr txBox="1"/>
+          <p:nvPr>
+            <p:ph type="title"/>
+          </p:nvPr>
+        </p:nvSpPr>
+        <p:spPr>
+          <a:xfrm>
+            <a:off x="311700" y="445025"/>
+            <a:ext cx="8520600" cy="572700"/>
+          </a:xfrm>
+          <a:prstGeom prst="rect">
+            <a:avLst/>
+          </a:prstGeom>
+        </p:spPr>
+        <p:txBody>
+          <a:bodyPr anchorCtr="0" anchor="t" bIns="91425" lIns="91425" spcFirstLastPara="1" rIns="91425" wrap="square" tIns="91425">
+            <a:normAutofit fontScale="90000"/>
+          </a:bodyPr>
+          <a:lstStyle/>
+          <a:p>
+            <a:pPr indent="0" lvl="0" marL="0" rtl="0" algn="l">
+              <a:spcBef>
+                <a:spcPts val="0"/>
+              </a:spcBef>
+              <a:spcAft>
+                <a:spcPts val="0"/>
+              </a:spcAft>
+              <a:buNone/>
+            </a:pPr>
+            <a:r>
+              <a:rPr lang="en"/>
+              <a:t>MULTILEVEL QUEUE</a:t>
+            </a:r>
+            <a:r>
+              <a:rPr lang="en"/>
+              <a:t> SCHEDULING</a:t>
+            </a:r>
+            <a:endParaRPr/>
+          </a:p>
+        </p:txBody>
+      </p:sp>
+      <p:sp>
+        <p:nvSpPr>
+          <p:cNvPr id="143" name="Google Shape;143;p24"/>
+          <p:cNvSpPr txBox="1"/>
+          <p:nvPr>
+            <p:ph idx="1" type="body"/>
+          </p:nvPr>
+        </p:nvSpPr>
+        <p:spPr>
+          <a:xfrm>
+            <a:off x="311700" y="1017725"/>
+            <a:ext cx="4186500" cy="3929700"/>
+          </a:xfrm>
+          <a:prstGeom prst="rect">
+            <a:avLst/>
+          </a:prstGeom>
+        </p:spPr>
+        <p:txBody>
+          <a:bodyPr anchorCtr="0" anchor="t" bIns="91425" lIns="91425" spcFirstLastPara="1" rIns="91425" wrap="square" tIns="91425">
+            <a:normAutofit/>
+          </a:bodyPr>
+          <a:lstStyle/>
+          <a:p>
+            <a:pPr indent="0" lvl="0" marL="0" rtl="0" algn="l">
+              <a:spcBef>
+                <a:spcPts val="0"/>
+              </a:spcBef>
+              <a:spcAft>
+                <a:spcPts val="1200"/>
+              </a:spcAft>
+              <a:buNone/>
+            </a:pPr>
+            <a:r>
+              <a:t/>
+            </a:r>
+            <a:endParaRPr sz="1400">
+              <a:solidFill>
+                <a:schemeClr val="dk1"/>
+              </a:solidFill>
+            </a:endParaRPr>
+          </a:p>
+        </p:txBody>
+      </p:sp>
+      <p:sp>
+        <p:nvSpPr>
+          <p:cNvPr id="144" name="Google Shape;144;p24"/>
+          <p:cNvSpPr txBox="1"/>
+          <p:nvPr>
+            <p:ph idx="2" type="body"/>
+          </p:nvPr>
+        </p:nvSpPr>
+        <p:spPr>
+          <a:xfrm>
+            <a:off x="4931450" y="1152475"/>
+            <a:ext cx="3900900" cy="3795000"/>
+          </a:xfrm>
+          <a:prstGeom prst="rect">
+            <a:avLst/>
+          </a:prstGeom>
+        </p:spPr>
+        <p:txBody>
+          <a:bodyPr anchorCtr="0" anchor="t" bIns="91425" lIns="91425" spcFirstLastPara="1" rIns="91425" wrap="square" tIns="91425">
+            <a:normAutofit/>
+          </a:bodyPr>
+          <a:lstStyle/>
+          <a:p>
+            <a:pPr indent="0" lvl="0" marL="0" rtl="0" algn="l">
+              <a:spcBef>
+                <a:spcPts val="0"/>
+              </a:spcBef>
+              <a:spcAft>
+                <a:spcPts val="1200"/>
+              </a:spcAft>
+              <a:buNone/>
+            </a:pPr>
+            <a:r>
+              <a:t/>
+            </a:r>
+            <a:endParaRPr/>
+          </a:p>
+        </p:txBody>
+      </p:sp>
+      <p:pic>
+        <p:nvPicPr>
+          <p:cNvPr id="145" name="Google Shape;145;p24"/>
+          <p:cNvPicPr preferRelativeResize="0"/>
+          <p:nvPr/>
+        </p:nvPicPr>
+        <p:blipFill rotWithShape="1">
+          <a:blip r:embed="rId3">
+            <a:alphaModFix/>
+          </a:blip>
+          <a:srcRect b="4743" l="9398" r="6234" t="7405"/>
+          <a:stretch/>
+        </p:blipFill>
+        <p:spPr>
+          <a:xfrm>
+            <a:off x="311700" y="1017750"/>
+            <a:ext cx="4429033" cy="3929700"/>
+          </a:xfrm>
+          <a:prstGeom prst="rect">
+            <a:avLst/>
+          </a:prstGeom>
+          <a:noFill/>
+          <a:ln>
+            <a:noFill/>
+          </a:ln>
+        </p:spPr>
+      </p:pic>
+      <p:pic>
+        <p:nvPicPr>
+          <p:cNvPr id="146" name="Google Shape;146;p24"/>
+          <p:cNvPicPr preferRelativeResize="0"/>
+          <p:nvPr/>
+        </p:nvPicPr>
+        <p:blipFill>
+          <a:blip r:embed="rId4">
+            <a:alphaModFix/>
+          </a:blip>
+          <a:stretch>
+            <a:fillRect/>
+          </a:stretch>
+        </p:blipFill>
+        <p:spPr>
+          <a:xfrm>
+            <a:off x="4931450" y="1152475"/>
+            <a:ext cx="3900900" cy="1757850"/>
+          </a:xfrm>
+          <a:prstGeom prst="rect">
+            <a:avLst/>
+          </a:prstGeom>
+          <a:noFill/>
+          <a:ln>
+            <a:noFill/>
+          </a:ln>
+        </p:spPr>
+      </p:pic>
+    </p:spTree>
+  </p:cSld>
+  <p:clrMapOvr>
+    <a:masterClrMapping/>
+  </p:clrMapOvr>
+</p:sld>
+</file>
+
+<file path=ppt/slides/slide13.xml><?xml version="1.0" encoding="utf-8"?>
+<p:sld xmlns:a="http://schemas.openxmlformats.org/drawingml/2006/main" xmlns:r="http://schemas.openxmlformats.org/officeDocument/2006/relationships" xmlns:mc="http://schemas.openxmlformats.org/markup-compatibility/2006" xmlns:mv="urn:schemas-microsoft-com:mac:vml" xmlns:p="http://schemas.openxmlformats.org/presentationml/2006/main" xmlns:c="http://schemas.openxmlformats.org/drawingml/2006/chart" xmlns:dgm="http://schemas.openxmlformats.org/drawingml/2006/diagram" xmlns:o="urn:schemas-microsoft-com:office:office" xmlns:v="urn:schemas-microsoft-com:vml" xmlns:pvml="urn:schemas-microsoft-com:office:powerpoint" xmlns:com="http://schemas.openxmlformats.org/drawingml/2006/compatibility" xmlns:p14="http://schemas.microsoft.com/office/powerpoint/2010/main" xmlns:p15="http://schemas.microsoft.com/office/powerpoint/2012/main" xmlns:ahyp="http://schemas.microsoft.com/office/drawing/2018/hyperlinkcolor">
+  <p:cSld>
+    <p:spTree>
+      <p:nvGrpSpPr>
+        <p:cNvPr id="150" name="Shape 150"/>
+        <p:cNvGrpSpPr/>
+        <p:nvPr/>
+      </p:nvGrpSpPr>
+      <p:grpSpPr>
+        <a:xfrm>
+          <a:off x="0" y="0"/>
+          <a:ext cx="0" cy="0"/>
+          <a:chOff x="0" y="0"/>
+          <a:chExt cx="0" cy="0"/>
+        </a:xfrm>
+      </p:grpSpPr>
+      <p:sp>
+        <p:nvSpPr>
+          <p:cNvPr id="151" name="Google Shape;151;p25"/>
+          <p:cNvSpPr txBox="1"/>
+          <p:nvPr>
+            <p:ph type="title"/>
+          </p:nvPr>
+        </p:nvSpPr>
+        <p:spPr>
+          <a:xfrm>
+            <a:off x="311700" y="445025"/>
+            <a:ext cx="8520600" cy="572700"/>
+          </a:xfrm>
+          <a:prstGeom prst="rect">
+            <a:avLst/>
+          </a:prstGeom>
+        </p:spPr>
+        <p:txBody>
+          <a:bodyPr anchorCtr="0" anchor="t" bIns="91425" lIns="91425" spcFirstLastPara="1" rIns="91425" wrap="square" tIns="91425">
+            <a:normAutofit fontScale="90000"/>
+          </a:bodyPr>
+          <a:lstStyle/>
+          <a:p>
+            <a:pPr indent="0" lvl="0" marL="0" rtl="0" algn="l">
+              <a:spcBef>
+                <a:spcPts val="0"/>
+              </a:spcBef>
+              <a:spcAft>
+                <a:spcPts val="0"/>
+              </a:spcAft>
+              <a:buNone/>
+            </a:pPr>
+            <a:r>
+              <a:rPr lang="en"/>
+              <a:t>MULTILEVEL QUEUE SCHEDULING</a:t>
+            </a:r>
+            <a:endParaRPr/>
+          </a:p>
+        </p:txBody>
+      </p:sp>
+      <p:sp>
+        <p:nvSpPr>
+          <p:cNvPr id="152" name="Google Shape;152;p25"/>
+          <p:cNvSpPr txBox="1"/>
+          <p:nvPr>
+            <p:ph idx="1" type="body"/>
+          </p:nvPr>
+        </p:nvSpPr>
+        <p:spPr>
+          <a:xfrm>
+            <a:off x="311700" y="1152475"/>
+            <a:ext cx="3530100" cy="3795000"/>
+          </a:xfrm>
+          <a:prstGeom prst="rect">
+            <a:avLst/>
+          </a:prstGeom>
+        </p:spPr>
+        <p:txBody>
+          <a:bodyPr anchorCtr="0" anchor="t" bIns="91425" lIns="91425" spcFirstLastPara="1" rIns="91425" wrap="square" tIns="91425">
+            <a:normAutofit/>
+          </a:bodyPr>
+          <a:lstStyle/>
+          <a:p>
+            <a:pPr indent="-330200" lvl="0" marL="457200" rtl="0" algn="l">
+              <a:spcBef>
+                <a:spcPts val="0"/>
+              </a:spcBef>
+              <a:spcAft>
+                <a:spcPts val="0"/>
+              </a:spcAft>
+              <a:buClr>
+                <a:schemeClr val="dk1"/>
+              </a:buClr>
+              <a:buSzPts val="1600"/>
+              <a:buChar char="●"/>
+            </a:pPr>
+            <a:r>
+              <a:rPr lang="en" sz="1600">
+                <a:solidFill>
+                  <a:schemeClr val="dk1"/>
+                </a:solidFill>
+              </a:rPr>
+              <a:t>Advantage: </a:t>
+            </a:r>
+            <a:endParaRPr sz="1600">
+              <a:solidFill>
+                <a:schemeClr val="dk1"/>
+              </a:solidFill>
+            </a:endParaRPr>
+          </a:p>
+          <a:p>
+            <a:pPr indent="-317500" lvl="1" marL="914400" rtl="0" algn="l">
+              <a:spcBef>
+                <a:spcPts val="0"/>
+              </a:spcBef>
+              <a:spcAft>
+                <a:spcPts val="0"/>
+              </a:spcAft>
+              <a:buClr>
+                <a:schemeClr val="dk1"/>
+              </a:buClr>
+              <a:buSzPts val="1400"/>
+              <a:buChar char="○"/>
+            </a:pPr>
+            <a:r>
+              <a:rPr lang="en" sz="1400">
+                <a:solidFill>
+                  <a:schemeClr val="dk1"/>
+                </a:solidFill>
+              </a:rPr>
+              <a:t>Supports the division of processes into different priority levels, each with its own scheduling algorithm.</a:t>
+            </a:r>
+            <a:endParaRPr sz="1400">
+              <a:solidFill>
+                <a:schemeClr val="dk1"/>
+              </a:solidFill>
+            </a:endParaRPr>
+          </a:p>
+          <a:p>
+            <a:pPr indent="-330200" lvl="0" marL="457200" rtl="0" algn="l">
+              <a:spcBef>
+                <a:spcPts val="0"/>
+              </a:spcBef>
+              <a:spcAft>
+                <a:spcPts val="0"/>
+              </a:spcAft>
+              <a:buClr>
+                <a:schemeClr val="dk1"/>
+              </a:buClr>
+              <a:buSzPts val="1600"/>
+              <a:buChar char="●"/>
+            </a:pPr>
+            <a:r>
+              <a:rPr lang="en" sz="1600">
+                <a:solidFill>
+                  <a:schemeClr val="dk1"/>
+                </a:solidFill>
+              </a:rPr>
+              <a:t>Drawback: </a:t>
+            </a:r>
+            <a:endParaRPr sz="1600">
+              <a:solidFill>
+                <a:schemeClr val="dk1"/>
+              </a:solidFill>
+            </a:endParaRPr>
+          </a:p>
+          <a:p>
+            <a:pPr indent="-317500" lvl="1" marL="914400" rtl="0" algn="l">
+              <a:spcBef>
+                <a:spcPts val="0"/>
+              </a:spcBef>
+              <a:spcAft>
+                <a:spcPts val="0"/>
+              </a:spcAft>
+              <a:buClr>
+                <a:schemeClr val="dk1"/>
+              </a:buClr>
+              <a:buSzPts val="1400"/>
+              <a:buChar char="○"/>
+            </a:pPr>
+            <a:r>
+              <a:rPr lang="en" sz="1400">
+                <a:solidFill>
+                  <a:schemeClr val="dk1"/>
+                </a:solidFill>
+              </a:rPr>
+              <a:t>Complexity in managing multiple queues.</a:t>
+            </a:r>
+            <a:endParaRPr sz="1400">
+              <a:solidFill>
+                <a:schemeClr val="dk1"/>
+              </a:solidFill>
+            </a:endParaRPr>
+          </a:p>
+        </p:txBody>
+      </p:sp>
+      <p:sp>
+        <p:nvSpPr>
+          <p:cNvPr id="153" name="Google Shape;153;p25"/>
+          <p:cNvSpPr txBox="1"/>
+          <p:nvPr>
+            <p:ph idx="2" type="body"/>
+          </p:nvPr>
+        </p:nvSpPr>
+        <p:spPr>
+          <a:xfrm>
+            <a:off x="4236350" y="1152475"/>
+            <a:ext cx="4596000" cy="3795000"/>
+          </a:xfrm>
+          <a:prstGeom prst="rect">
+            <a:avLst/>
+          </a:prstGeom>
+        </p:spPr>
+        <p:txBody>
+          <a:bodyPr anchorCtr="0" anchor="t" bIns="91425" lIns="91425" spcFirstLastPara="1" rIns="91425" wrap="square" tIns="91425">
+            <a:normAutofit/>
+          </a:bodyPr>
+          <a:lstStyle/>
+          <a:p>
+            <a:pPr indent="0" lvl="0" marL="0" rtl="0" algn="l">
+              <a:spcBef>
+                <a:spcPts val="0"/>
+              </a:spcBef>
+              <a:spcAft>
+                <a:spcPts val="1200"/>
+              </a:spcAft>
+              <a:buNone/>
+            </a:pPr>
+            <a:r>
+              <a:t/>
+            </a:r>
+            <a:endParaRPr/>
+          </a:p>
+        </p:txBody>
+      </p:sp>
+    </p:spTree>
+  </p:cSld>
+  <p:clrMapOvr>
+    <a:masterClrMapping/>
+  </p:clrMapOvr>
+</p:sld>
+</file>
+
+<file path=ppt/slides/slide14.xml><?xml version="1.0" encoding="utf-8"?>
+<p:sld xmlns:a="http://schemas.openxmlformats.org/drawingml/2006/main" xmlns:r="http://schemas.openxmlformats.org/officeDocument/2006/relationships" xmlns:mc="http://schemas.openxmlformats.org/markup-compatibility/2006" xmlns:mv="urn:schemas-microsoft-com:mac:vml" xmlns:p="http://schemas.openxmlformats.org/presentationml/2006/main" xmlns:c="http://schemas.openxmlformats.org/drawingml/2006/chart" xmlns:dgm="http://schemas.openxmlformats.org/drawingml/2006/diagram" xmlns:o="urn:schemas-microsoft-com:office:office" xmlns:v="urn:schemas-microsoft-com:vml" xmlns:pvml="urn:schemas-microsoft-com:office:powerpoint" xmlns:com="http://schemas.openxmlformats.org/drawingml/2006/compatibility" xmlns:p14="http://schemas.microsoft.com/office/powerpoint/2010/main" xmlns:p15="http://schemas.microsoft.com/office/powerpoint/2012/main" xmlns:ahyp="http://schemas.microsoft.com/office/drawing/2018/hyperlinkcolor">
+  <p:cSld>
+    <p:spTree>
+      <p:nvGrpSpPr>
+        <p:cNvPr id="157" name="Shape 157"/>
+        <p:cNvGrpSpPr/>
+        <p:nvPr/>
+      </p:nvGrpSpPr>
+      <p:grpSpPr>
+        <a:xfrm>
+          <a:off x="0" y="0"/>
+          <a:ext cx="0" cy="0"/>
+          <a:chOff x="0" y="0"/>
+          <a:chExt cx="0" cy="0"/>
+        </a:xfrm>
+      </p:grpSpPr>
+      <p:sp>
+        <p:nvSpPr>
+          <p:cNvPr id="158" name="Google Shape;158;p26"/>
+          <p:cNvSpPr txBox="1"/>
+          <p:nvPr>
+            <p:ph type="title"/>
+          </p:nvPr>
+        </p:nvSpPr>
+        <p:spPr>
+          <a:xfrm>
+            <a:off x="311700" y="445025"/>
+            <a:ext cx="8520600" cy="572700"/>
+          </a:xfrm>
+          <a:prstGeom prst="rect">
+            <a:avLst/>
+          </a:prstGeom>
+        </p:spPr>
+        <p:txBody>
+          <a:bodyPr anchorCtr="0" anchor="t" bIns="91425" lIns="91425" spcFirstLastPara="1" rIns="91425" wrap="square" tIns="91425">
+            <a:normAutofit fontScale="90000"/>
+          </a:bodyPr>
+          <a:lstStyle/>
+          <a:p>
+            <a:pPr indent="0" lvl="0" marL="0" rtl="0" algn="l">
+              <a:spcBef>
+                <a:spcPts val="0"/>
+              </a:spcBef>
+              <a:spcAft>
+                <a:spcPts val="0"/>
+              </a:spcAft>
+              <a:buNone/>
+            </a:pPr>
+            <a:r>
+              <a:rPr lang="en"/>
               <a:t>MULTILEVEL FEEDBACK QUEUE SCHEDULING</a:t>
             </a:r>
             <a:endParaRPr/>
@@ -7246,7 +8637,208 @@
       </p:sp>
       <p:sp>
         <p:nvSpPr>
-          <p:cNvPr id="127" name="Google Shape;127;p22"/>
+          <p:cNvPr id="159" name="Google Shape;159;p26"/>
+          <p:cNvSpPr txBox="1"/>
+          <p:nvPr>
+            <p:ph idx="1" type="body"/>
+          </p:nvPr>
+        </p:nvSpPr>
+        <p:spPr>
+          <a:xfrm>
+            <a:off x="311700" y="1152475"/>
+            <a:ext cx="3530100" cy="3795000"/>
+          </a:xfrm>
+          <a:prstGeom prst="rect">
+            <a:avLst/>
+          </a:prstGeom>
+        </p:spPr>
+        <p:txBody>
+          <a:bodyPr anchorCtr="0" anchor="t" bIns="91425" lIns="91425" spcFirstLastPara="1" rIns="91425" wrap="square" tIns="91425">
+            <a:normAutofit/>
+          </a:bodyPr>
+          <a:lstStyle/>
+          <a:p>
+            <a:pPr indent="0" lvl="0" marL="0" rtl="0" algn="l">
+              <a:spcBef>
+                <a:spcPts val="0"/>
+              </a:spcBef>
+              <a:spcAft>
+                <a:spcPts val="1200"/>
+              </a:spcAft>
+              <a:buNone/>
+            </a:pPr>
+            <a:r>
+              <a:t/>
+            </a:r>
+            <a:endParaRPr sz="1400">
+              <a:solidFill>
+                <a:schemeClr val="dk1"/>
+              </a:solidFill>
+            </a:endParaRPr>
+          </a:p>
+        </p:txBody>
+      </p:sp>
+      <p:sp>
+        <p:nvSpPr>
+          <p:cNvPr id="160" name="Google Shape;160;p26"/>
+          <p:cNvSpPr txBox="1"/>
+          <p:nvPr>
+            <p:ph idx="2" type="body"/>
+          </p:nvPr>
+        </p:nvSpPr>
+        <p:spPr>
+          <a:xfrm>
+            <a:off x="4236350" y="1152475"/>
+            <a:ext cx="4596000" cy="3795000"/>
+          </a:xfrm>
+          <a:prstGeom prst="rect">
+            <a:avLst/>
+          </a:prstGeom>
+        </p:spPr>
+        <p:txBody>
+          <a:bodyPr anchorCtr="0" anchor="t" bIns="91425" lIns="91425" spcFirstLastPara="1" rIns="91425" wrap="square" tIns="91425">
+            <a:normAutofit/>
+          </a:bodyPr>
+          <a:lstStyle/>
+          <a:p>
+            <a:pPr indent="0" lvl="0" marL="0" rtl="0" algn="l">
+              <a:spcBef>
+                <a:spcPts val="0"/>
+              </a:spcBef>
+              <a:spcAft>
+                <a:spcPts val="1200"/>
+              </a:spcAft>
+              <a:buNone/>
+            </a:pPr>
+            <a:r>
+              <a:t/>
+            </a:r>
+            <a:endParaRPr/>
+          </a:p>
+        </p:txBody>
+      </p:sp>
+      <p:pic>
+        <p:nvPicPr>
+          <p:cNvPr id="161" name="Google Shape;161;p26"/>
+          <p:cNvPicPr preferRelativeResize="0"/>
+          <p:nvPr/>
+        </p:nvPicPr>
+        <p:blipFill rotWithShape="1">
+          <a:blip r:embed="rId3">
+            <a:alphaModFix/>
+          </a:blip>
+          <a:srcRect b="49705" l="9390" r="5705" t="6711"/>
+          <a:stretch/>
+        </p:blipFill>
+        <p:spPr>
+          <a:xfrm>
+            <a:off x="311700" y="1152475"/>
+            <a:ext cx="3924649" cy="3795001"/>
+          </a:xfrm>
+          <a:prstGeom prst="rect">
+            <a:avLst/>
+          </a:prstGeom>
+          <a:noFill/>
+          <a:ln>
+            <a:noFill/>
+          </a:ln>
+        </p:spPr>
+      </p:pic>
+      <p:pic>
+        <p:nvPicPr>
+          <p:cNvPr id="162" name="Google Shape;162;p26"/>
+          <p:cNvPicPr preferRelativeResize="0"/>
+          <p:nvPr/>
+        </p:nvPicPr>
+        <p:blipFill rotWithShape="1">
+          <a:blip r:embed="rId3">
+            <a:alphaModFix/>
+          </a:blip>
+          <a:srcRect b="3114" l="8910" r="5406" t="50119"/>
+          <a:stretch/>
+        </p:blipFill>
+        <p:spPr>
+          <a:xfrm>
+            <a:off x="4511626" y="1152475"/>
+            <a:ext cx="4320724" cy="3795001"/>
+          </a:xfrm>
+          <a:prstGeom prst="rect">
+            <a:avLst/>
+          </a:prstGeom>
+          <a:noFill/>
+          <a:ln>
+            <a:noFill/>
+          </a:ln>
+        </p:spPr>
+      </p:pic>
+    </p:spTree>
+  </p:cSld>
+  <p:clrMapOvr>
+    <a:masterClrMapping/>
+  </p:clrMapOvr>
+</p:sld>
+</file>
+
+<file path=ppt/slides/slide15.xml><?xml version="1.0" encoding="utf-8"?>
+<p:sld xmlns:a="http://schemas.openxmlformats.org/drawingml/2006/main" xmlns:r="http://schemas.openxmlformats.org/officeDocument/2006/relationships" xmlns:mc="http://schemas.openxmlformats.org/markup-compatibility/2006" xmlns:mv="urn:schemas-microsoft-com:mac:vml" xmlns:p="http://schemas.openxmlformats.org/presentationml/2006/main" xmlns:c="http://schemas.openxmlformats.org/drawingml/2006/chart" xmlns:dgm="http://schemas.openxmlformats.org/drawingml/2006/diagram" xmlns:o="urn:schemas-microsoft-com:office:office" xmlns:v="urn:schemas-microsoft-com:vml" xmlns:pvml="urn:schemas-microsoft-com:office:powerpoint" xmlns:com="http://schemas.openxmlformats.org/drawingml/2006/compatibility" xmlns:p14="http://schemas.microsoft.com/office/powerpoint/2010/main" xmlns:p15="http://schemas.microsoft.com/office/powerpoint/2012/main" xmlns:ahyp="http://schemas.microsoft.com/office/drawing/2018/hyperlinkcolor">
+  <p:cSld>
+    <p:spTree>
+      <p:nvGrpSpPr>
+        <p:cNvPr id="166" name="Shape 166"/>
+        <p:cNvGrpSpPr/>
+        <p:nvPr/>
+      </p:nvGrpSpPr>
+      <p:grpSpPr>
+        <a:xfrm>
+          <a:off x="0" y="0"/>
+          <a:ext cx="0" cy="0"/>
+          <a:chOff x="0" y="0"/>
+          <a:chExt cx="0" cy="0"/>
+        </a:xfrm>
+      </p:grpSpPr>
+      <p:sp>
+        <p:nvSpPr>
+          <p:cNvPr id="167" name="Google Shape;167;p27"/>
+          <p:cNvSpPr txBox="1"/>
+          <p:nvPr>
+            <p:ph type="title"/>
+          </p:nvPr>
+        </p:nvSpPr>
+        <p:spPr>
+          <a:xfrm>
+            <a:off x="311700" y="445025"/>
+            <a:ext cx="8520600" cy="572700"/>
+          </a:xfrm>
+          <a:prstGeom prst="rect">
+            <a:avLst/>
+          </a:prstGeom>
+        </p:spPr>
+        <p:txBody>
+          <a:bodyPr anchorCtr="0" anchor="t" bIns="91425" lIns="91425" spcFirstLastPara="1" rIns="91425" wrap="square" tIns="91425">
+            <a:normAutofit fontScale="90000"/>
+          </a:bodyPr>
+          <a:lstStyle/>
+          <a:p>
+            <a:pPr indent="0" lvl="0" marL="0" rtl="0" algn="l">
+              <a:spcBef>
+                <a:spcPts val="0"/>
+              </a:spcBef>
+              <a:spcAft>
+                <a:spcPts val="0"/>
+              </a:spcAft>
+              <a:buNone/>
+            </a:pPr>
+            <a:r>
+              <a:rPr lang="en"/>
+              <a:t>MULTILEVEL FEEDBACK QUEUE SCHEDULING</a:t>
+            </a:r>
+            <a:endParaRPr/>
+          </a:p>
+        </p:txBody>
+      </p:sp>
+      <p:sp>
+        <p:nvSpPr>
+          <p:cNvPr id="168" name="Google Shape;168;p27"/>
           <p:cNvSpPr txBox="1"/>
           <p:nvPr>
             <p:ph idx="1" type="body"/>
@@ -7382,7 +8974,7 @@
       </p:sp>
       <p:sp>
         <p:nvSpPr>
-          <p:cNvPr id="128" name="Google Shape;128;p22"/>
+          <p:cNvPr id="169" name="Google Shape;169;p27"/>
           <p:cNvSpPr txBox="1"/>
           <p:nvPr>
             <p:ph idx="2" type="body"/>
@@ -7421,21 +9013,22 @@
       </p:sp>
       <p:pic>
         <p:nvPicPr>
-          <p:cNvPr id="129" name="Google Shape;129;p22"/>
+          <p:cNvPr id="170" name="Google Shape;170;p27"/>
           <p:cNvPicPr preferRelativeResize="0"/>
           <p:nvPr/>
         </p:nvPicPr>
-        <p:blipFill rotWithShape="1">
+        <p:blipFill>
           <a:blip r:embed="rId3">
             <a:alphaModFix/>
           </a:blip>
-          <a:srcRect b="3114" l="5404" r="5404" t="50119"/>
-          <a:stretch/>
+          <a:stretch>
+            <a:fillRect/>
+          </a:stretch>
         </p:blipFill>
         <p:spPr>
           <a:xfrm>
-            <a:off x="4236350" y="1152475"/>
-            <a:ext cx="4596001" cy="3878025"/>
+            <a:off x="4236350" y="1224975"/>
+            <a:ext cx="4595999" cy="1775400"/>
           </a:xfrm>
           <a:prstGeom prst="rect">
             <a:avLst/>
@@ -7454,12 +9047,12 @@
 </p:sld>
 </file>
 
-<file path=ppt/slides/slide11.xml><?xml version="1.0" encoding="utf-8"?>
+<file path=ppt/slides/slide16.xml><?xml version="1.0" encoding="utf-8"?>
 <p:sld xmlns:a="http://schemas.openxmlformats.org/drawingml/2006/main" xmlns:r="http://schemas.openxmlformats.org/officeDocument/2006/relationships" xmlns:mc="http://schemas.openxmlformats.org/markup-compatibility/2006" xmlns:mv="urn:schemas-microsoft-com:mac:vml" xmlns:p="http://schemas.openxmlformats.org/presentationml/2006/main" xmlns:c="http://schemas.openxmlformats.org/drawingml/2006/chart" xmlns:dgm="http://schemas.openxmlformats.org/drawingml/2006/diagram" xmlns:o="urn:schemas-microsoft-com:office:office" xmlns:v="urn:schemas-microsoft-com:vml" xmlns:pvml="urn:schemas-microsoft-com:office:powerpoint" xmlns:com="http://schemas.openxmlformats.org/drawingml/2006/compatibility" xmlns:p14="http://schemas.microsoft.com/office/powerpoint/2010/main" xmlns:p15="http://schemas.microsoft.com/office/powerpoint/2012/main" xmlns:ahyp="http://schemas.microsoft.com/office/drawing/2018/hyperlinkcolor">
   <p:cSld>
     <p:spTree>
       <p:nvGrpSpPr>
-        <p:cNvPr id="133" name="Shape 133"/>
+        <p:cNvPr id="174" name="Shape 174"/>
         <p:cNvGrpSpPr/>
         <p:nvPr/>
       </p:nvGrpSpPr>
@@ -7473,7 +9066,7 @@
       </p:grpSpPr>
       <p:sp>
         <p:nvSpPr>
-          <p:cNvPr id="134" name="Google Shape;134;p23"/>
+          <p:cNvPr id="175" name="Google Shape;175;p28"/>
           <p:cNvSpPr txBox="1"/>
           <p:nvPr>
             <p:ph type="title"/>
@@ -8008,6 +9601,204 @@
           </a:bodyPr>
           <a:lstStyle/>
           <a:p>
+            <a:pPr indent="0" lvl="0" marL="457200" rtl="0" algn="l">
+              <a:spcBef>
+                <a:spcPts val="0"/>
+              </a:spcBef>
+              <a:spcAft>
+                <a:spcPts val="1200"/>
+              </a:spcAft>
+              <a:buNone/>
+            </a:pPr>
+            <a:r>
+              <a:t/>
+            </a:r>
+            <a:endParaRPr/>
+          </a:p>
+        </p:txBody>
+      </p:sp>
+      <p:sp>
+        <p:nvSpPr>
+          <p:cNvPr id="80" name="Google Shape;80;p16"/>
+          <p:cNvSpPr txBox="1"/>
+          <p:nvPr>
+            <p:ph idx="2" type="body"/>
+          </p:nvPr>
+        </p:nvSpPr>
+        <p:spPr>
+          <a:xfrm>
+            <a:off x="4832400" y="1152475"/>
+            <a:ext cx="3999900" cy="3416400"/>
+          </a:xfrm>
+          <a:prstGeom prst="rect">
+            <a:avLst/>
+          </a:prstGeom>
+        </p:spPr>
+        <p:txBody>
+          <a:bodyPr anchorCtr="0" anchor="t" bIns="91425" lIns="91425" spcFirstLastPara="1" rIns="91425" wrap="square" tIns="91425">
+            <a:normAutofit/>
+          </a:bodyPr>
+          <a:lstStyle/>
+          <a:p>
+            <a:pPr indent="0" lvl="0" marL="0" rtl="0" algn="l">
+              <a:spcBef>
+                <a:spcPts val="0"/>
+              </a:spcBef>
+              <a:spcAft>
+                <a:spcPts val="1200"/>
+              </a:spcAft>
+              <a:buNone/>
+            </a:pPr>
+            <a:r>
+              <a:t/>
+            </a:r>
+            <a:endParaRPr/>
+          </a:p>
+        </p:txBody>
+      </p:sp>
+      <p:pic>
+        <p:nvPicPr>
+          <p:cNvPr id="81" name="Google Shape;81;p16"/>
+          <p:cNvPicPr preferRelativeResize="0"/>
+          <p:nvPr/>
+        </p:nvPicPr>
+        <p:blipFill rotWithShape="1">
+          <a:blip r:embed="rId3">
+            <a:alphaModFix/>
+          </a:blip>
+          <a:srcRect b="5767" l="6522" r="5927" t="5917"/>
+          <a:stretch/>
+        </p:blipFill>
+        <p:spPr>
+          <a:xfrm>
+            <a:off x="311700" y="1135963"/>
+            <a:ext cx="3999900" cy="3828016"/>
+          </a:xfrm>
+          <a:prstGeom prst="rect">
+            <a:avLst/>
+          </a:prstGeom>
+          <a:noFill/>
+          <a:ln>
+            <a:noFill/>
+          </a:ln>
+        </p:spPr>
+      </p:pic>
+      <p:pic>
+        <p:nvPicPr>
+          <p:cNvPr id="82" name="Google Shape;82;p16"/>
+          <p:cNvPicPr preferRelativeResize="0"/>
+          <p:nvPr/>
+        </p:nvPicPr>
+        <p:blipFill>
+          <a:blip r:embed="rId4">
+            <a:alphaModFix/>
+          </a:blip>
+          <a:stretch>
+            <a:fillRect/>
+          </a:stretch>
+        </p:blipFill>
+        <p:spPr>
+          <a:xfrm>
+            <a:off x="4832400" y="1152475"/>
+            <a:ext cx="3999900" cy="2049536"/>
+          </a:xfrm>
+          <a:prstGeom prst="rect">
+            <a:avLst/>
+          </a:prstGeom>
+          <a:noFill/>
+          <a:ln>
+            <a:noFill/>
+          </a:ln>
+        </p:spPr>
+      </p:pic>
+    </p:spTree>
+  </p:cSld>
+  <p:clrMapOvr>
+    <a:masterClrMapping/>
+  </p:clrMapOvr>
+</p:sld>
+</file>
+
+<file path=ppt/slides/slide5.xml><?xml version="1.0" encoding="utf-8"?>
+<p:sld xmlns:a="http://schemas.openxmlformats.org/drawingml/2006/main" xmlns:r="http://schemas.openxmlformats.org/officeDocument/2006/relationships" xmlns:mc="http://schemas.openxmlformats.org/markup-compatibility/2006" xmlns:mv="urn:schemas-microsoft-com:mac:vml" xmlns:p="http://schemas.openxmlformats.org/presentationml/2006/main" xmlns:c="http://schemas.openxmlformats.org/drawingml/2006/chart" xmlns:dgm="http://schemas.openxmlformats.org/drawingml/2006/diagram" xmlns:o="urn:schemas-microsoft-com:office:office" xmlns:v="urn:schemas-microsoft-com:vml" xmlns:pvml="urn:schemas-microsoft-com:office:powerpoint" xmlns:com="http://schemas.openxmlformats.org/drawingml/2006/compatibility" xmlns:p14="http://schemas.microsoft.com/office/powerpoint/2010/main" xmlns:p15="http://schemas.microsoft.com/office/powerpoint/2012/main" xmlns:ahyp="http://schemas.microsoft.com/office/drawing/2018/hyperlinkcolor">
+  <p:cSld>
+    <p:spTree>
+      <p:nvGrpSpPr>
+        <p:cNvPr id="86" name="Shape 86"/>
+        <p:cNvGrpSpPr/>
+        <p:nvPr/>
+      </p:nvGrpSpPr>
+      <p:grpSpPr>
+        <a:xfrm>
+          <a:off x="0" y="0"/>
+          <a:ext cx="0" cy="0"/>
+          <a:chOff x="0" y="0"/>
+          <a:chExt cx="0" cy="0"/>
+        </a:xfrm>
+      </p:grpSpPr>
+      <p:sp>
+        <p:nvSpPr>
+          <p:cNvPr id="87" name="Google Shape;87;p17"/>
+          <p:cNvSpPr txBox="1"/>
+          <p:nvPr>
+            <p:ph type="title"/>
+          </p:nvPr>
+        </p:nvSpPr>
+        <p:spPr>
+          <a:xfrm>
+            <a:off x="311700" y="445025"/>
+            <a:ext cx="8520600" cy="572700"/>
+          </a:xfrm>
+          <a:prstGeom prst="rect">
+            <a:avLst/>
+          </a:prstGeom>
+        </p:spPr>
+        <p:txBody>
+          <a:bodyPr anchorCtr="0" anchor="t" bIns="91425" lIns="91425" spcFirstLastPara="1" rIns="91425" wrap="square" tIns="91425">
+            <a:normAutofit fontScale="90000"/>
+          </a:bodyPr>
+          <a:lstStyle/>
+          <a:p>
+            <a:pPr indent="0" lvl="0" marL="0" rtl="0" algn="l">
+              <a:spcBef>
+                <a:spcPts val="0"/>
+              </a:spcBef>
+              <a:spcAft>
+                <a:spcPts val="0"/>
+              </a:spcAft>
+              <a:buNone/>
+            </a:pPr>
+            <a:r>
+              <a:rPr lang="en"/>
+              <a:t>FIRST COME, FIRST SERVED SCHEDULING</a:t>
+            </a:r>
+            <a:endParaRPr/>
+          </a:p>
+        </p:txBody>
+      </p:sp>
+      <p:sp>
+        <p:nvSpPr>
+          <p:cNvPr id="88" name="Google Shape;88;p17"/>
+          <p:cNvSpPr txBox="1"/>
+          <p:nvPr>
+            <p:ph idx="1" type="body"/>
+          </p:nvPr>
+        </p:nvSpPr>
+        <p:spPr>
+          <a:xfrm>
+            <a:off x="311700" y="1152475"/>
+            <a:ext cx="3999900" cy="3795000"/>
+          </a:xfrm>
+          <a:prstGeom prst="rect">
+            <a:avLst/>
+          </a:prstGeom>
+        </p:spPr>
+        <p:txBody>
+          <a:bodyPr anchorCtr="0" anchor="t" bIns="91425" lIns="91425" spcFirstLastPara="1" rIns="91425" wrap="square" tIns="91425">
+            <a:normAutofit/>
+          </a:bodyPr>
+          <a:lstStyle/>
+          <a:p>
             <a:pPr indent="-330200" lvl="0" marL="457200" rtl="0" algn="l">
               <a:spcBef>
                 <a:spcPts val="0"/>
@@ -8150,7 +9941,7 @@
       </p:sp>
       <p:sp>
         <p:nvSpPr>
-          <p:cNvPr id="80" name="Google Shape;80;p16"/>
+          <p:cNvPr id="89" name="Google Shape;89;p17"/>
           <p:cNvSpPr txBox="1"/>
           <p:nvPr>
             <p:ph idx="2" type="body"/>
@@ -8187,299 +9978,6 @@
           </a:p>
         </p:txBody>
       </p:sp>
-      <p:pic>
-        <p:nvPicPr>
-          <p:cNvPr id="81" name="Google Shape;81;p16"/>
-          <p:cNvPicPr preferRelativeResize="0"/>
-          <p:nvPr/>
-        </p:nvPicPr>
-        <p:blipFill rotWithShape="1">
-          <a:blip r:embed="rId3">
-            <a:alphaModFix/>
-          </a:blip>
-          <a:srcRect b="5767" l="6522" r="5927" t="5917"/>
-          <a:stretch/>
-        </p:blipFill>
-        <p:spPr>
-          <a:xfrm>
-            <a:off x="4832400" y="1127351"/>
-            <a:ext cx="3999900" cy="3828016"/>
-          </a:xfrm>
-          <a:prstGeom prst="rect">
-            <a:avLst/>
-          </a:prstGeom>
-          <a:noFill/>
-          <a:ln>
-            <a:noFill/>
-          </a:ln>
-        </p:spPr>
-      </p:pic>
-    </p:spTree>
-  </p:cSld>
-  <p:clrMapOvr>
-    <a:masterClrMapping/>
-  </p:clrMapOvr>
-</p:sld>
-</file>
-
-<file path=ppt/slides/slide5.xml><?xml version="1.0" encoding="utf-8"?>
-<p:sld xmlns:a="http://schemas.openxmlformats.org/drawingml/2006/main" xmlns:r="http://schemas.openxmlformats.org/officeDocument/2006/relationships" xmlns:mc="http://schemas.openxmlformats.org/markup-compatibility/2006" xmlns:mv="urn:schemas-microsoft-com:mac:vml" xmlns:p="http://schemas.openxmlformats.org/presentationml/2006/main" xmlns:c="http://schemas.openxmlformats.org/drawingml/2006/chart" xmlns:dgm="http://schemas.openxmlformats.org/drawingml/2006/diagram" xmlns:o="urn:schemas-microsoft-com:office:office" xmlns:v="urn:schemas-microsoft-com:vml" xmlns:pvml="urn:schemas-microsoft-com:office:powerpoint" xmlns:com="http://schemas.openxmlformats.org/drawingml/2006/compatibility" xmlns:p14="http://schemas.microsoft.com/office/powerpoint/2010/main" xmlns:p15="http://schemas.microsoft.com/office/powerpoint/2012/main" xmlns:ahyp="http://schemas.microsoft.com/office/drawing/2018/hyperlinkcolor">
-  <p:cSld>
-    <p:spTree>
-      <p:nvGrpSpPr>
-        <p:cNvPr id="85" name="Shape 85"/>
-        <p:cNvGrpSpPr/>
-        <p:nvPr/>
-      </p:nvGrpSpPr>
-      <p:grpSpPr>
-        <a:xfrm>
-          <a:off x="0" y="0"/>
-          <a:ext cx="0" cy="0"/>
-          <a:chOff x="0" y="0"/>
-          <a:chExt cx="0" cy="0"/>
-        </a:xfrm>
-      </p:grpSpPr>
-      <p:sp>
-        <p:nvSpPr>
-          <p:cNvPr id="86" name="Google Shape;86;p17"/>
-          <p:cNvSpPr txBox="1"/>
-          <p:nvPr>
-            <p:ph type="title"/>
-          </p:nvPr>
-        </p:nvSpPr>
-        <p:spPr>
-          <a:xfrm>
-            <a:off x="311700" y="445025"/>
-            <a:ext cx="8520600" cy="572700"/>
-          </a:xfrm>
-          <a:prstGeom prst="rect">
-            <a:avLst/>
-          </a:prstGeom>
-        </p:spPr>
-        <p:txBody>
-          <a:bodyPr anchorCtr="0" anchor="t" bIns="91425" lIns="91425" spcFirstLastPara="1" rIns="91425" wrap="square" tIns="91425">
-            <a:normAutofit fontScale="90000"/>
-          </a:bodyPr>
-          <a:lstStyle/>
-          <a:p>
-            <a:pPr indent="0" lvl="0" marL="0" rtl="0" algn="l">
-              <a:spcBef>
-                <a:spcPts val="0"/>
-              </a:spcBef>
-              <a:spcAft>
-                <a:spcPts val="0"/>
-              </a:spcAft>
-              <a:buNone/>
-            </a:pPr>
-            <a:r>
-              <a:rPr lang="en"/>
-              <a:t>SHORTEST JOB FIRST SCHEDULING</a:t>
-            </a:r>
-            <a:endParaRPr/>
-          </a:p>
-        </p:txBody>
-      </p:sp>
-      <p:sp>
-        <p:nvSpPr>
-          <p:cNvPr id="87" name="Google Shape;87;p17"/>
-          <p:cNvSpPr txBox="1"/>
-          <p:nvPr>
-            <p:ph idx="1" type="body"/>
-          </p:nvPr>
-        </p:nvSpPr>
-        <p:spPr>
-          <a:xfrm>
-            <a:off x="311700" y="1152475"/>
-            <a:ext cx="3999900" cy="3795000"/>
-          </a:xfrm>
-          <a:prstGeom prst="rect">
-            <a:avLst/>
-          </a:prstGeom>
-        </p:spPr>
-        <p:txBody>
-          <a:bodyPr anchorCtr="0" anchor="t" bIns="91425" lIns="91425" spcFirstLastPara="1" rIns="91425" wrap="square" tIns="91425">
-            <a:normAutofit/>
-          </a:bodyPr>
-          <a:lstStyle/>
-          <a:p>
-            <a:pPr indent="-330200" lvl="0" marL="457200" rtl="0" algn="l">
-              <a:spcBef>
-                <a:spcPts val="0"/>
-              </a:spcBef>
-              <a:spcAft>
-                <a:spcPts val="0"/>
-              </a:spcAft>
-              <a:buClr>
-                <a:schemeClr val="dk1"/>
-              </a:buClr>
-              <a:buSzPts val="1600"/>
-              <a:buChar char="●"/>
-            </a:pPr>
-            <a:r>
-              <a:rPr lang="en" sz="1600">
-                <a:solidFill>
-                  <a:schemeClr val="dk1"/>
-                </a:solidFill>
-              </a:rPr>
-              <a:t>Advantage: </a:t>
-            </a:r>
-            <a:endParaRPr sz="1600">
-              <a:solidFill>
-                <a:schemeClr val="dk1"/>
-              </a:solidFill>
-            </a:endParaRPr>
-          </a:p>
-          <a:p>
-            <a:pPr indent="-317500" lvl="1" marL="914400" rtl="0" algn="l">
-              <a:lnSpc>
-                <a:spcPct val="150000"/>
-              </a:lnSpc>
-              <a:spcBef>
-                <a:spcPts val="0"/>
-              </a:spcBef>
-              <a:spcAft>
-                <a:spcPts val="0"/>
-              </a:spcAft>
-              <a:buClr>
-                <a:schemeClr val="dk1"/>
-              </a:buClr>
-              <a:buSzPts val="1400"/>
-              <a:buChar char="○"/>
-            </a:pPr>
-            <a:r>
-              <a:rPr lang="en" sz="1400">
-                <a:solidFill>
-                  <a:schemeClr val="dk1"/>
-                </a:solidFill>
-              </a:rPr>
-              <a:t>Minimises waiting time and provides optimal throughput for a set of processes.</a:t>
-            </a:r>
-            <a:endParaRPr sz="1400">
-              <a:solidFill>
-                <a:schemeClr val="dk1"/>
-              </a:solidFill>
-            </a:endParaRPr>
-          </a:p>
-          <a:p>
-            <a:pPr indent="-330200" lvl="0" marL="457200" rtl="0" algn="l">
-              <a:spcBef>
-                <a:spcPts val="0"/>
-              </a:spcBef>
-              <a:spcAft>
-                <a:spcPts val="0"/>
-              </a:spcAft>
-              <a:buClr>
-                <a:schemeClr val="dk1"/>
-              </a:buClr>
-              <a:buSzPts val="1600"/>
-              <a:buChar char="●"/>
-            </a:pPr>
-            <a:r>
-              <a:rPr lang="en" sz="1600">
-                <a:solidFill>
-                  <a:schemeClr val="dk1"/>
-                </a:solidFill>
-              </a:rPr>
-              <a:t>Drawback: </a:t>
-            </a:r>
-            <a:endParaRPr sz="1600">
-              <a:solidFill>
-                <a:schemeClr val="dk1"/>
-              </a:solidFill>
-            </a:endParaRPr>
-          </a:p>
-          <a:p>
-            <a:pPr indent="-317500" lvl="1" marL="914400" rtl="0" algn="l">
-              <a:spcBef>
-                <a:spcPts val="0"/>
-              </a:spcBef>
-              <a:spcAft>
-                <a:spcPts val="0"/>
-              </a:spcAft>
-              <a:buClr>
-                <a:schemeClr val="dk1"/>
-              </a:buClr>
-              <a:buSzPts val="1400"/>
-              <a:buChar char="○"/>
-            </a:pPr>
-            <a:r>
-              <a:rPr lang="en" sz="1400">
-                <a:solidFill>
-                  <a:schemeClr val="dk1"/>
-                </a:solidFill>
-              </a:rPr>
-              <a:t>Requires knowledge of the total burst time, which is often not available in a real-time environment.</a:t>
-            </a:r>
-            <a:endParaRPr/>
-          </a:p>
-        </p:txBody>
-      </p:sp>
-      <p:sp>
-        <p:nvSpPr>
-          <p:cNvPr id="88" name="Google Shape;88;p17"/>
-          <p:cNvSpPr txBox="1"/>
-          <p:nvPr>
-            <p:ph idx="2" type="body"/>
-          </p:nvPr>
-        </p:nvSpPr>
-        <p:spPr>
-          <a:xfrm>
-            <a:off x="4832400" y="1152475"/>
-            <a:ext cx="3999900" cy="3416400"/>
-          </a:xfrm>
-          <a:prstGeom prst="rect">
-            <a:avLst/>
-          </a:prstGeom>
-        </p:spPr>
-        <p:txBody>
-          <a:bodyPr anchorCtr="0" anchor="t" bIns="91425" lIns="91425" spcFirstLastPara="1" rIns="91425" wrap="square" tIns="91425">
-            <a:normAutofit/>
-          </a:bodyPr>
-          <a:lstStyle/>
-          <a:p>
-            <a:pPr indent="0" lvl="0" marL="0" rtl="0" algn="l">
-              <a:spcBef>
-                <a:spcPts val="0"/>
-              </a:spcBef>
-              <a:spcAft>
-                <a:spcPts val="1200"/>
-              </a:spcAft>
-              <a:buNone/>
-            </a:pPr>
-            <a:r>
-              <a:t/>
-            </a:r>
-            <a:endParaRPr/>
-          </a:p>
-        </p:txBody>
-      </p:sp>
-      <p:pic>
-        <p:nvPicPr>
-          <p:cNvPr id="89" name="Google Shape;89;p17"/>
-          <p:cNvPicPr preferRelativeResize="0"/>
-          <p:nvPr/>
-        </p:nvPicPr>
-        <p:blipFill rotWithShape="1">
-          <a:blip r:embed="rId3">
-            <a:alphaModFix/>
-          </a:blip>
-          <a:srcRect b="6538" l="6182" r="6610" t="6979"/>
-          <a:stretch/>
-        </p:blipFill>
-        <p:spPr>
-          <a:xfrm>
-            <a:off x="4832400" y="1181326"/>
-            <a:ext cx="3999900" cy="3388117"/>
-          </a:xfrm>
-          <a:prstGeom prst="rect">
-            <a:avLst/>
-          </a:prstGeom>
-          <a:noFill/>
-          <a:ln>
-            <a:noFill/>
-          </a:ln>
-        </p:spPr>
-      </p:pic>
     </p:spTree>
   </p:cSld>
   <p:clrMapOvr>
@@ -8539,11 +10037,7 @@
             </a:pPr>
             <a:r>
               <a:rPr lang="en"/>
-              <a:t>PRIORITY</a:t>
-            </a:r>
-            <a:r>
-              <a:rPr lang="en"/>
-              <a:t> SCHEDULING</a:t>
+              <a:t>SHORTEST JOB FIRST SCHEDULING</a:t>
             </a:r>
             <a:endParaRPr/>
           </a:p>
@@ -8552,6 +10046,204 @@
       <p:sp>
         <p:nvSpPr>
           <p:cNvPr id="95" name="Google Shape;95;p18"/>
+          <p:cNvSpPr txBox="1"/>
+          <p:nvPr>
+            <p:ph idx="1" type="body"/>
+          </p:nvPr>
+        </p:nvSpPr>
+        <p:spPr>
+          <a:xfrm>
+            <a:off x="311700" y="1152475"/>
+            <a:ext cx="3999900" cy="3795000"/>
+          </a:xfrm>
+          <a:prstGeom prst="rect">
+            <a:avLst/>
+          </a:prstGeom>
+        </p:spPr>
+        <p:txBody>
+          <a:bodyPr anchorCtr="0" anchor="t" bIns="91425" lIns="91425" spcFirstLastPara="1" rIns="91425" wrap="square" tIns="91425">
+            <a:normAutofit/>
+          </a:bodyPr>
+          <a:lstStyle/>
+          <a:p>
+            <a:pPr indent="0" lvl="0" marL="0" rtl="0" algn="l">
+              <a:spcBef>
+                <a:spcPts val="0"/>
+              </a:spcBef>
+              <a:spcAft>
+                <a:spcPts val="1200"/>
+              </a:spcAft>
+              <a:buNone/>
+            </a:pPr>
+            <a:r>
+              <a:t/>
+            </a:r>
+            <a:endParaRPr/>
+          </a:p>
+        </p:txBody>
+      </p:sp>
+      <p:sp>
+        <p:nvSpPr>
+          <p:cNvPr id="96" name="Google Shape;96;p18"/>
+          <p:cNvSpPr txBox="1"/>
+          <p:nvPr>
+            <p:ph idx="2" type="body"/>
+          </p:nvPr>
+        </p:nvSpPr>
+        <p:spPr>
+          <a:xfrm>
+            <a:off x="4832400" y="1152475"/>
+            <a:ext cx="3999900" cy="3416400"/>
+          </a:xfrm>
+          <a:prstGeom prst="rect">
+            <a:avLst/>
+          </a:prstGeom>
+        </p:spPr>
+        <p:txBody>
+          <a:bodyPr anchorCtr="0" anchor="t" bIns="91425" lIns="91425" spcFirstLastPara="1" rIns="91425" wrap="square" tIns="91425">
+            <a:normAutofit/>
+          </a:bodyPr>
+          <a:lstStyle/>
+          <a:p>
+            <a:pPr indent="0" lvl="0" marL="0" rtl="0" algn="l">
+              <a:spcBef>
+                <a:spcPts val="0"/>
+              </a:spcBef>
+              <a:spcAft>
+                <a:spcPts val="1200"/>
+              </a:spcAft>
+              <a:buNone/>
+            </a:pPr>
+            <a:r>
+              <a:t/>
+            </a:r>
+            <a:endParaRPr/>
+          </a:p>
+        </p:txBody>
+      </p:sp>
+      <p:pic>
+        <p:nvPicPr>
+          <p:cNvPr id="97" name="Google Shape;97;p18"/>
+          <p:cNvPicPr preferRelativeResize="0"/>
+          <p:nvPr/>
+        </p:nvPicPr>
+        <p:blipFill rotWithShape="1">
+          <a:blip r:embed="rId3">
+            <a:alphaModFix/>
+          </a:blip>
+          <a:srcRect b="12357" l="6182" r="6610" t="6977"/>
+          <a:stretch/>
+        </p:blipFill>
+        <p:spPr>
+          <a:xfrm>
+            <a:off x="311700" y="1166624"/>
+            <a:ext cx="3999900" cy="3160224"/>
+          </a:xfrm>
+          <a:prstGeom prst="rect">
+            <a:avLst/>
+          </a:prstGeom>
+          <a:noFill/>
+          <a:ln>
+            <a:noFill/>
+          </a:ln>
+        </p:spPr>
+      </p:pic>
+      <p:pic>
+        <p:nvPicPr>
+          <p:cNvPr id="98" name="Google Shape;98;p18"/>
+          <p:cNvPicPr preferRelativeResize="0"/>
+          <p:nvPr/>
+        </p:nvPicPr>
+        <p:blipFill>
+          <a:blip r:embed="rId4">
+            <a:alphaModFix/>
+          </a:blip>
+          <a:stretch>
+            <a:fillRect/>
+          </a:stretch>
+        </p:blipFill>
+        <p:spPr>
+          <a:xfrm>
+            <a:off x="4832400" y="1166633"/>
+            <a:ext cx="3246300" cy="2036575"/>
+          </a:xfrm>
+          <a:prstGeom prst="rect">
+            <a:avLst/>
+          </a:prstGeom>
+          <a:noFill/>
+          <a:ln>
+            <a:noFill/>
+          </a:ln>
+        </p:spPr>
+      </p:pic>
+    </p:spTree>
+  </p:cSld>
+  <p:clrMapOvr>
+    <a:masterClrMapping/>
+  </p:clrMapOvr>
+</p:sld>
+</file>
+
+<file path=ppt/slides/slide7.xml><?xml version="1.0" encoding="utf-8"?>
+<p:sld xmlns:a="http://schemas.openxmlformats.org/drawingml/2006/main" xmlns:r="http://schemas.openxmlformats.org/officeDocument/2006/relationships" xmlns:mc="http://schemas.openxmlformats.org/markup-compatibility/2006" xmlns:mv="urn:schemas-microsoft-com:mac:vml" xmlns:p="http://schemas.openxmlformats.org/presentationml/2006/main" xmlns:c="http://schemas.openxmlformats.org/drawingml/2006/chart" xmlns:dgm="http://schemas.openxmlformats.org/drawingml/2006/diagram" xmlns:o="urn:schemas-microsoft-com:office:office" xmlns:v="urn:schemas-microsoft-com:vml" xmlns:pvml="urn:schemas-microsoft-com:office:powerpoint" xmlns:com="http://schemas.openxmlformats.org/drawingml/2006/compatibility" xmlns:p14="http://schemas.microsoft.com/office/powerpoint/2010/main" xmlns:p15="http://schemas.microsoft.com/office/powerpoint/2012/main" xmlns:ahyp="http://schemas.microsoft.com/office/drawing/2018/hyperlinkcolor">
+  <p:cSld>
+    <p:spTree>
+      <p:nvGrpSpPr>
+        <p:cNvPr id="102" name="Shape 102"/>
+        <p:cNvGrpSpPr/>
+        <p:nvPr/>
+      </p:nvGrpSpPr>
+      <p:grpSpPr>
+        <a:xfrm>
+          <a:off x="0" y="0"/>
+          <a:ext cx="0" cy="0"/>
+          <a:chOff x="0" y="0"/>
+          <a:chExt cx="0" cy="0"/>
+        </a:xfrm>
+      </p:grpSpPr>
+      <p:sp>
+        <p:nvSpPr>
+          <p:cNvPr id="103" name="Google Shape;103;p19"/>
+          <p:cNvSpPr txBox="1"/>
+          <p:nvPr>
+            <p:ph type="title"/>
+          </p:nvPr>
+        </p:nvSpPr>
+        <p:spPr>
+          <a:xfrm>
+            <a:off x="311700" y="445025"/>
+            <a:ext cx="8520600" cy="572700"/>
+          </a:xfrm>
+          <a:prstGeom prst="rect">
+            <a:avLst/>
+          </a:prstGeom>
+        </p:spPr>
+        <p:txBody>
+          <a:bodyPr anchorCtr="0" anchor="t" bIns="91425" lIns="91425" spcFirstLastPara="1" rIns="91425" wrap="square" tIns="91425">
+            <a:normAutofit fontScale="90000"/>
+          </a:bodyPr>
+          <a:lstStyle/>
+          <a:p>
+            <a:pPr indent="0" lvl="0" marL="0" rtl="0" algn="l">
+              <a:spcBef>
+                <a:spcPts val="0"/>
+              </a:spcBef>
+              <a:spcAft>
+                <a:spcPts val="0"/>
+              </a:spcAft>
+              <a:buNone/>
+            </a:pPr>
+            <a:r>
+              <a:rPr lang="en"/>
+              <a:t>SHORTEST JOB FIRST SCHEDULING</a:t>
+            </a:r>
+            <a:endParaRPr/>
+          </a:p>
+        </p:txBody>
+      </p:sp>
+      <p:sp>
+        <p:nvSpPr>
+          <p:cNvPr id="104" name="Google Shape;104;p19"/>
           <p:cNvSpPr txBox="1"/>
           <p:nvPr>
             <p:ph idx="1" type="body"/>
@@ -8622,7 +10314,7 @@
                   <a:schemeClr val="dk1"/>
                 </a:solidFill>
               </a:rPr>
-              <a:t>Allows assigning priority levels to processes based on various factors.</a:t>
+              <a:t>Minimises waiting time and provides optimal throughput for a set of processes.</a:t>
             </a:r>
             <a:endParaRPr sz="1400">
               <a:solidFill>
@@ -8678,7 +10370,7 @@
                   <a:schemeClr val="dk1"/>
                 </a:solidFill>
               </a:rPr>
-              <a:t>Can lead to starvation of low-priority processes if not implemented carefully.</a:t>
+              <a:t>Requires knowledge of the total burst time, which is often not available in a real-time environment.</a:t>
             </a:r>
             <a:endParaRPr/>
           </a:p>
@@ -8686,7 +10378,7 @@
       </p:sp>
       <p:sp>
         <p:nvSpPr>
-          <p:cNvPr id="96" name="Google Shape;96;p18"/>
+          <p:cNvPr id="105" name="Google Shape;105;p19"/>
           <p:cNvSpPr txBox="1"/>
           <p:nvPr>
             <p:ph idx="2" type="body"/>
@@ -8723,303 +10415,6 @@
           </a:p>
         </p:txBody>
       </p:sp>
-      <p:pic>
-        <p:nvPicPr>
-          <p:cNvPr id="97" name="Google Shape;97;p18"/>
-          <p:cNvPicPr preferRelativeResize="0"/>
-          <p:nvPr/>
-        </p:nvPicPr>
-        <p:blipFill rotWithShape="1">
-          <a:blip r:embed="rId3">
-            <a:alphaModFix/>
-          </a:blip>
-          <a:srcRect b="4287" l="4032" r="3894" t="4287"/>
-          <a:stretch/>
-        </p:blipFill>
-        <p:spPr>
-          <a:xfrm>
-            <a:off x="4486690" y="1017725"/>
-            <a:ext cx="4345609" cy="3929750"/>
-          </a:xfrm>
-          <a:prstGeom prst="rect">
-            <a:avLst/>
-          </a:prstGeom>
-          <a:noFill/>
-          <a:ln>
-            <a:noFill/>
-          </a:ln>
-        </p:spPr>
-      </p:pic>
-    </p:spTree>
-  </p:cSld>
-  <p:clrMapOvr>
-    <a:masterClrMapping/>
-  </p:clrMapOvr>
-</p:sld>
-</file>
-
-<file path=ppt/slides/slide7.xml><?xml version="1.0" encoding="utf-8"?>
-<p:sld xmlns:a="http://schemas.openxmlformats.org/drawingml/2006/main" xmlns:r="http://schemas.openxmlformats.org/officeDocument/2006/relationships" xmlns:mc="http://schemas.openxmlformats.org/markup-compatibility/2006" xmlns:mv="urn:schemas-microsoft-com:mac:vml" xmlns:p="http://schemas.openxmlformats.org/presentationml/2006/main" xmlns:c="http://schemas.openxmlformats.org/drawingml/2006/chart" xmlns:dgm="http://schemas.openxmlformats.org/drawingml/2006/diagram" xmlns:o="urn:schemas-microsoft-com:office:office" xmlns:v="urn:schemas-microsoft-com:vml" xmlns:pvml="urn:schemas-microsoft-com:office:powerpoint" xmlns:com="http://schemas.openxmlformats.org/drawingml/2006/compatibility" xmlns:p14="http://schemas.microsoft.com/office/powerpoint/2010/main" xmlns:p15="http://schemas.microsoft.com/office/powerpoint/2012/main" xmlns:ahyp="http://schemas.microsoft.com/office/drawing/2018/hyperlinkcolor">
-  <p:cSld>
-    <p:spTree>
-      <p:nvGrpSpPr>
-        <p:cNvPr id="101" name="Shape 101"/>
-        <p:cNvGrpSpPr/>
-        <p:nvPr/>
-      </p:nvGrpSpPr>
-      <p:grpSpPr>
-        <a:xfrm>
-          <a:off x="0" y="0"/>
-          <a:ext cx="0" cy="0"/>
-          <a:chOff x="0" y="0"/>
-          <a:chExt cx="0" cy="0"/>
-        </a:xfrm>
-      </p:grpSpPr>
-      <p:sp>
-        <p:nvSpPr>
-          <p:cNvPr id="102" name="Google Shape;102;p19"/>
-          <p:cNvSpPr txBox="1"/>
-          <p:nvPr>
-            <p:ph type="title"/>
-          </p:nvPr>
-        </p:nvSpPr>
-        <p:spPr>
-          <a:xfrm>
-            <a:off x="311700" y="445025"/>
-            <a:ext cx="8520600" cy="572700"/>
-          </a:xfrm>
-          <a:prstGeom prst="rect">
-            <a:avLst/>
-          </a:prstGeom>
-        </p:spPr>
-        <p:txBody>
-          <a:bodyPr anchorCtr="0" anchor="t" bIns="91425" lIns="91425" spcFirstLastPara="1" rIns="91425" wrap="square" tIns="91425">
-            <a:normAutofit fontScale="90000"/>
-          </a:bodyPr>
-          <a:lstStyle/>
-          <a:p>
-            <a:pPr indent="0" lvl="0" marL="0" rtl="0" algn="l">
-              <a:spcBef>
-                <a:spcPts val="0"/>
-              </a:spcBef>
-              <a:spcAft>
-                <a:spcPts val="0"/>
-              </a:spcAft>
-              <a:buNone/>
-            </a:pPr>
-            <a:r>
-              <a:rPr lang="en"/>
-              <a:t>ROUND ROBIN SCHEDULING</a:t>
-            </a:r>
-            <a:endParaRPr/>
-          </a:p>
-        </p:txBody>
-      </p:sp>
-      <p:sp>
-        <p:nvSpPr>
-          <p:cNvPr id="103" name="Google Shape;103;p19"/>
-          <p:cNvSpPr txBox="1"/>
-          <p:nvPr>
-            <p:ph idx="1" type="body"/>
-          </p:nvPr>
-        </p:nvSpPr>
-        <p:spPr>
-          <a:xfrm>
-            <a:off x="311700" y="1152475"/>
-            <a:ext cx="3999900" cy="3795000"/>
-          </a:xfrm>
-          <a:prstGeom prst="rect">
-            <a:avLst/>
-          </a:prstGeom>
-        </p:spPr>
-        <p:txBody>
-          <a:bodyPr anchorCtr="0" anchor="t" bIns="91425" lIns="91425" spcFirstLastPara="1" rIns="91425" wrap="square" tIns="91425">
-            <a:normAutofit/>
-          </a:bodyPr>
-          <a:lstStyle/>
-          <a:p>
-            <a:pPr indent="-330200" lvl="0" marL="457200" rtl="0" algn="l">
-              <a:spcBef>
-                <a:spcPts val="0"/>
-              </a:spcBef>
-              <a:spcAft>
-                <a:spcPts val="0"/>
-              </a:spcAft>
-              <a:buClr>
-                <a:schemeClr val="dk1"/>
-              </a:buClr>
-              <a:buSzPts val="1600"/>
-              <a:buChar char="●"/>
-            </a:pPr>
-            <a:r>
-              <a:rPr lang="en" sz="1600">
-                <a:solidFill>
-                  <a:schemeClr val="dk1"/>
-                </a:solidFill>
-              </a:rPr>
-              <a:t>Advantage: </a:t>
-            </a:r>
-            <a:endParaRPr sz="1600">
-              <a:solidFill>
-                <a:schemeClr val="dk1"/>
-              </a:solidFill>
-            </a:endParaRPr>
-          </a:p>
-          <a:p>
-            <a:pPr indent="-317500" lvl="1" marL="914400" rtl="0" algn="l">
-              <a:lnSpc>
-                <a:spcPct val="115000"/>
-              </a:lnSpc>
-              <a:spcBef>
-                <a:spcPts val="0"/>
-              </a:spcBef>
-              <a:spcAft>
-                <a:spcPts val="0"/>
-              </a:spcAft>
-              <a:buClr>
-                <a:schemeClr val="dk1"/>
-              </a:buClr>
-              <a:buSzPts val="1400"/>
-              <a:buChar char="○"/>
-            </a:pPr>
-            <a:r>
-              <a:rPr lang="en" sz="1400">
-                <a:solidFill>
-                  <a:schemeClr val="dk1"/>
-                </a:solidFill>
-              </a:rPr>
-              <a:t>Fairness in terms of process execution; all processes get an equal share of the CPU.</a:t>
-            </a:r>
-            <a:endParaRPr sz="1400">
-              <a:solidFill>
-                <a:schemeClr val="dk1"/>
-              </a:solidFill>
-            </a:endParaRPr>
-          </a:p>
-          <a:p>
-            <a:pPr indent="-330200" lvl="0" marL="457200" rtl="0" algn="l">
-              <a:spcBef>
-                <a:spcPts val="0"/>
-              </a:spcBef>
-              <a:spcAft>
-                <a:spcPts val="0"/>
-              </a:spcAft>
-              <a:buClr>
-                <a:schemeClr val="dk1"/>
-              </a:buClr>
-              <a:buSzPts val="1600"/>
-              <a:buChar char="●"/>
-            </a:pPr>
-            <a:r>
-              <a:rPr lang="en" sz="1600">
-                <a:solidFill>
-                  <a:schemeClr val="dk1"/>
-                </a:solidFill>
-              </a:rPr>
-              <a:t>Drawback: </a:t>
-            </a:r>
-            <a:endParaRPr sz="1600">
-              <a:solidFill>
-                <a:schemeClr val="dk1"/>
-              </a:solidFill>
-            </a:endParaRPr>
-          </a:p>
-          <a:p>
-            <a:pPr indent="-317500" lvl="1" marL="914400" rtl="0" algn="l">
-              <a:spcBef>
-                <a:spcPts val="0"/>
-              </a:spcBef>
-              <a:spcAft>
-                <a:spcPts val="0"/>
-              </a:spcAft>
-              <a:buClr>
-                <a:schemeClr val="dk1"/>
-              </a:buClr>
-              <a:buSzPts val="1400"/>
-              <a:buChar char="○"/>
-            </a:pPr>
-            <a:r>
-              <a:rPr lang="en" sz="1400">
-                <a:solidFill>
-                  <a:schemeClr val="dk1"/>
-                </a:solidFill>
-              </a:rPr>
-              <a:t>High turnaround time for long processes, and the time quantum needs careful tuning.</a:t>
-            </a:r>
-            <a:endParaRPr sz="1400">
-              <a:solidFill>
-                <a:schemeClr val="dk1"/>
-              </a:solidFill>
-            </a:endParaRPr>
-          </a:p>
-        </p:txBody>
-      </p:sp>
-      <p:sp>
-        <p:nvSpPr>
-          <p:cNvPr id="104" name="Google Shape;104;p19"/>
-          <p:cNvSpPr txBox="1"/>
-          <p:nvPr>
-            <p:ph idx="2" type="body"/>
-          </p:nvPr>
-        </p:nvSpPr>
-        <p:spPr>
-          <a:xfrm>
-            <a:off x="4832400" y="1152475"/>
-            <a:ext cx="3999900" cy="3416400"/>
-          </a:xfrm>
-          <a:prstGeom prst="rect">
-            <a:avLst/>
-          </a:prstGeom>
-        </p:spPr>
-        <p:txBody>
-          <a:bodyPr anchorCtr="0" anchor="t" bIns="91425" lIns="91425" spcFirstLastPara="1" rIns="91425" wrap="square" tIns="91425">
-            <a:normAutofit/>
-          </a:bodyPr>
-          <a:lstStyle/>
-          <a:p>
-            <a:pPr indent="0" lvl="0" marL="0" rtl="0" algn="l">
-              <a:spcBef>
-                <a:spcPts val="0"/>
-              </a:spcBef>
-              <a:spcAft>
-                <a:spcPts val="1200"/>
-              </a:spcAft>
-              <a:buNone/>
-            </a:pPr>
-            <a:r>
-              <a:t/>
-            </a:r>
-            <a:endParaRPr/>
-          </a:p>
-        </p:txBody>
-      </p:sp>
-      <p:pic>
-        <p:nvPicPr>
-          <p:cNvPr id="105" name="Google Shape;105;p19"/>
-          <p:cNvPicPr preferRelativeResize="0"/>
-          <p:nvPr/>
-        </p:nvPicPr>
-        <p:blipFill rotWithShape="1">
-          <a:blip r:embed="rId3">
-            <a:alphaModFix/>
-          </a:blip>
-          <a:srcRect b="4634" l="5292" r="5005" t="4497"/>
-          <a:stretch/>
-        </p:blipFill>
-        <p:spPr>
-          <a:xfrm>
-            <a:off x="4832400" y="1017725"/>
-            <a:ext cx="3999900" cy="3929750"/>
-          </a:xfrm>
-          <a:prstGeom prst="rect">
-            <a:avLst/>
-          </a:prstGeom>
-          <a:noFill/>
-          <a:ln>
-            <a:noFill/>
-          </a:ln>
-        </p:spPr>
-      </p:pic>
     </p:spTree>
   </p:cSld>
   <p:clrMapOvr>
@@ -9079,7 +10474,7 @@
             </a:pPr>
             <a:r>
               <a:rPr lang="en"/>
-              <a:t>MULTILEVEL QUEUE</a:t>
+              <a:t>PRIORITY</a:t>
             </a:r>
             <a:r>
               <a:rPr lang="en"/>
@@ -9100,7 +10495,205 @@
         <p:spPr>
           <a:xfrm>
             <a:off x="311700" y="1152475"/>
-            <a:ext cx="3530100" cy="3795000"/>
+            <a:ext cx="3999900" cy="3795000"/>
+          </a:xfrm>
+          <a:prstGeom prst="rect">
+            <a:avLst/>
+          </a:prstGeom>
+        </p:spPr>
+        <p:txBody>
+          <a:bodyPr anchorCtr="0" anchor="t" bIns="91425" lIns="91425" spcFirstLastPara="1" rIns="91425" wrap="square" tIns="91425">
+            <a:normAutofit/>
+          </a:bodyPr>
+          <a:lstStyle/>
+          <a:p>
+            <a:pPr indent="0" lvl="0" marL="0" rtl="0" algn="l">
+              <a:spcBef>
+                <a:spcPts val="0"/>
+              </a:spcBef>
+              <a:spcAft>
+                <a:spcPts val="1200"/>
+              </a:spcAft>
+              <a:buNone/>
+            </a:pPr>
+            <a:r>
+              <a:t/>
+            </a:r>
+            <a:endParaRPr/>
+          </a:p>
+        </p:txBody>
+      </p:sp>
+      <p:sp>
+        <p:nvSpPr>
+          <p:cNvPr id="112" name="Google Shape;112;p20"/>
+          <p:cNvSpPr txBox="1"/>
+          <p:nvPr>
+            <p:ph idx="2" type="body"/>
+          </p:nvPr>
+        </p:nvSpPr>
+        <p:spPr>
+          <a:xfrm>
+            <a:off x="4832400" y="1152475"/>
+            <a:ext cx="3999900" cy="3416400"/>
+          </a:xfrm>
+          <a:prstGeom prst="rect">
+            <a:avLst/>
+          </a:prstGeom>
+        </p:spPr>
+        <p:txBody>
+          <a:bodyPr anchorCtr="0" anchor="t" bIns="91425" lIns="91425" spcFirstLastPara="1" rIns="91425" wrap="square" tIns="91425">
+            <a:normAutofit/>
+          </a:bodyPr>
+          <a:lstStyle/>
+          <a:p>
+            <a:pPr indent="0" lvl="0" marL="0" rtl="0" algn="l">
+              <a:spcBef>
+                <a:spcPts val="0"/>
+              </a:spcBef>
+              <a:spcAft>
+                <a:spcPts val="1200"/>
+              </a:spcAft>
+              <a:buNone/>
+            </a:pPr>
+            <a:r>
+              <a:t/>
+            </a:r>
+            <a:endParaRPr/>
+          </a:p>
+        </p:txBody>
+      </p:sp>
+      <p:pic>
+        <p:nvPicPr>
+          <p:cNvPr id="113" name="Google Shape;113;p20"/>
+          <p:cNvPicPr preferRelativeResize="0"/>
+          <p:nvPr/>
+        </p:nvPicPr>
+        <p:blipFill rotWithShape="1">
+          <a:blip r:embed="rId3">
+            <a:alphaModFix/>
+          </a:blip>
+          <a:srcRect b="4287" l="4032" r="3894" t="4287"/>
+          <a:stretch/>
+        </p:blipFill>
+        <p:spPr>
+          <a:xfrm>
+            <a:off x="311690" y="1017725"/>
+            <a:ext cx="4345609" cy="3929750"/>
+          </a:xfrm>
+          <a:prstGeom prst="rect">
+            <a:avLst/>
+          </a:prstGeom>
+          <a:noFill/>
+          <a:ln>
+            <a:noFill/>
+          </a:ln>
+        </p:spPr>
+      </p:pic>
+      <p:pic>
+        <p:nvPicPr>
+          <p:cNvPr id="114" name="Google Shape;114;p20"/>
+          <p:cNvPicPr preferRelativeResize="0"/>
+          <p:nvPr/>
+        </p:nvPicPr>
+        <p:blipFill>
+          <a:blip r:embed="rId4">
+            <a:alphaModFix/>
+          </a:blip>
+          <a:stretch>
+            <a:fillRect/>
+          </a:stretch>
+        </p:blipFill>
+        <p:spPr>
+          <a:xfrm>
+            <a:off x="4832400" y="1152475"/>
+            <a:ext cx="3999900" cy="1495975"/>
+          </a:xfrm>
+          <a:prstGeom prst="rect">
+            <a:avLst/>
+          </a:prstGeom>
+          <a:noFill/>
+          <a:ln>
+            <a:noFill/>
+          </a:ln>
+        </p:spPr>
+      </p:pic>
+    </p:spTree>
+  </p:cSld>
+  <p:clrMapOvr>
+    <a:masterClrMapping/>
+  </p:clrMapOvr>
+</p:sld>
+</file>
+
+<file path=ppt/slides/slide9.xml><?xml version="1.0" encoding="utf-8"?>
+<p:sld xmlns:a="http://schemas.openxmlformats.org/drawingml/2006/main" xmlns:r="http://schemas.openxmlformats.org/officeDocument/2006/relationships" xmlns:mc="http://schemas.openxmlformats.org/markup-compatibility/2006" xmlns:mv="urn:schemas-microsoft-com:mac:vml" xmlns:p="http://schemas.openxmlformats.org/presentationml/2006/main" xmlns:c="http://schemas.openxmlformats.org/drawingml/2006/chart" xmlns:dgm="http://schemas.openxmlformats.org/drawingml/2006/diagram" xmlns:o="urn:schemas-microsoft-com:office:office" xmlns:v="urn:schemas-microsoft-com:vml" xmlns:pvml="urn:schemas-microsoft-com:office:powerpoint" xmlns:com="http://schemas.openxmlformats.org/drawingml/2006/compatibility" xmlns:p14="http://schemas.microsoft.com/office/powerpoint/2010/main" xmlns:p15="http://schemas.microsoft.com/office/powerpoint/2012/main" xmlns:ahyp="http://schemas.microsoft.com/office/drawing/2018/hyperlinkcolor">
+  <p:cSld>
+    <p:spTree>
+      <p:nvGrpSpPr>
+        <p:cNvPr id="118" name="Shape 118"/>
+        <p:cNvGrpSpPr/>
+        <p:nvPr/>
+      </p:nvGrpSpPr>
+      <p:grpSpPr>
+        <a:xfrm>
+          <a:off x="0" y="0"/>
+          <a:ext cx="0" cy="0"/>
+          <a:chOff x="0" y="0"/>
+          <a:chExt cx="0" cy="0"/>
+        </a:xfrm>
+      </p:grpSpPr>
+      <p:sp>
+        <p:nvSpPr>
+          <p:cNvPr id="119" name="Google Shape;119;p21"/>
+          <p:cNvSpPr txBox="1"/>
+          <p:nvPr>
+            <p:ph type="title"/>
+          </p:nvPr>
+        </p:nvSpPr>
+        <p:spPr>
+          <a:xfrm>
+            <a:off x="311700" y="445025"/>
+            <a:ext cx="8520600" cy="572700"/>
+          </a:xfrm>
+          <a:prstGeom prst="rect">
+            <a:avLst/>
+          </a:prstGeom>
+        </p:spPr>
+        <p:txBody>
+          <a:bodyPr anchorCtr="0" anchor="t" bIns="91425" lIns="91425" spcFirstLastPara="1" rIns="91425" wrap="square" tIns="91425">
+            <a:normAutofit fontScale="90000"/>
+          </a:bodyPr>
+          <a:lstStyle/>
+          <a:p>
+            <a:pPr indent="0" lvl="0" marL="0" rtl="0" algn="l">
+              <a:spcBef>
+                <a:spcPts val="0"/>
+              </a:spcBef>
+              <a:spcAft>
+                <a:spcPts val="0"/>
+              </a:spcAft>
+              <a:buNone/>
+            </a:pPr>
+            <a:r>
+              <a:rPr lang="en"/>
+              <a:t>PRIORITY SCHEDULING</a:t>
+            </a:r>
+            <a:endParaRPr/>
+          </a:p>
+        </p:txBody>
+      </p:sp>
+      <p:sp>
+        <p:nvSpPr>
+          <p:cNvPr id="120" name="Google Shape;120;p21"/>
+          <p:cNvSpPr txBox="1"/>
+          <p:nvPr>
+            <p:ph idx="1" type="body"/>
+          </p:nvPr>
+        </p:nvSpPr>
+        <p:spPr>
+          <a:xfrm>
+            <a:off x="311700" y="1152475"/>
+            <a:ext cx="3999900" cy="3795000"/>
           </a:xfrm>
           <a:prstGeom prst="rect">
             <a:avLst/>
@@ -9141,6 +10734,9 @@
           </a:p>
           <a:p>
             <a:pPr indent="-317500" lvl="1" marL="914400" rtl="0" algn="l">
+              <a:lnSpc>
+                <a:spcPct val="150000"/>
+              </a:lnSpc>
               <a:spcBef>
                 <a:spcPts val="0"/>
               </a:spcBef>
@@ -9159,7 +10755,7 @@
                   <a:schemeClr val="dk1"/>
                 </a:solidFill>
               </a:rPr>
-              <a:t>Supports the division of processes into different priority levels, each with its own scheduling algorithm.</a:t>
+              <a:t>Allows assigning priority levels to processes based on various factors.</a:t>
             </a:r>
             <a:endParaRPr sz="1400">
               <a:solidFill>
@@ -9215,19 +10811,15 @@
                   <a:schemeClr val="dk1"/>
                 </a:solidFill>
               </a:rPr>
-              <a:t>Complexity in managing multiple queues.</a:t>
+              <a:t>Can lead to starvation of low-priority processes if not implemented carefully.</a:t>
             </a:r>
-            <a:endParaRPr sz="1400">
-              <a:solidFill>
-                <a:schemeClr val="dk1"/>
-              </a:solidFill>
-            </a:endParaRPr>
+            <a:endParaRPr/>
           </a:p>
         </p:txBody>
       </p:sp>
       <p:sp>
         <p:nvSpPr>
-          <p:cNvPr id="112" name="Google Shape;112;p20"/>
+          <p:cNvPr id="121" name="Google Shape;121;p21"/>
           <p:cNvSpPr txBox="1"/>
           <p:nvPr>
             <p:ph idx="2" type="body"/>
@@ -9235,8 +10827,8 @@
         </p:nvSpPr>
         <p:spPr>
           <a:xfrm>
-            <a:off x="4236350" y="1152475"/>
-            <a:ext cx="4596000" cy="3795000"/>
+            <a:off x="4832400" y="1152475"/>
+            <a:ext cx="3999900" cy="3416400"/>
           </a:xfrm>
           <a:prstGeom prst="rect">
             <a:avLst/>
@@ -9264,300 +10856,6 @@
           </a:p>
         </p:txBody>
       </p:sp>
-      <p:pic>
-        <p:nvPicPr>
-          <p:cNvPr id="113" name="Google Shape;113;p20"/>
-          <p:cNvPicPr preferRelativeResize="0"/>
-          <p:nvPr/>
-        </p:nvPicPr>
-        <p:blipFill rotWithShape="1">
-          <a:blip r:embed="rId3">
-            <a:alphaModFix/>
-          </a:blip>
-          <a:srcRect b="4748" l="4777" r="4568" t="4284"/>
-          <a:stretch/>
-        </p:blipFill>
-        <p:spPr>
-          <a:xfrm>
-            <a:off x="4236350" y="1017725"/>
-            <a:ext cx="4596001" cy="3929750"/>
-          </a:xfrm>
-          <a:prstGeom prst="rect">
-            <a:avLst/>
-          </a:prstGeom>
-          <a:noFill/>
-          <a:ln>
-            <a:noFill/>
-          </a:ln>
-        </p:spPr>
-      </p:pic>
-    </p:spTree>
-  </p:cSld>
-  <p:clrMapOvr>
-    <a:masterClrMapping/>
-  </p:clrMapOvr>
-</p:sld>
-</file>
-
-<file path=ppt/slides/slide9.xml><?xml version="1.0" encoding="utf-8"?>
-<p:sld xmlns:a="http://schemas.openxmlformats.org/drawingml/2006/main" xmlns:r="http://schemas.openxmlformats.org/officeDocument/2006/relationships" xmlns:mc="http://schemas.openxmlformats.org/markup-compatibility/2006" xmlns:mv="urn:schemas-microsoft-com:mac:vml" xmlns:p="http://schemas.openxmlformats.org/presentationml/2006/main" xmlns:c="http://schemas.openxmlformats.org/drawingml/2006/chart" xmlns:dgm="http://schemas.openxmlformats.org/drawingml/2006/diagram" xmlns:o="urn:schemas-microsoft-com:office:office" xmlns:v="urn:schemas-microsoft-com:vml" xmlns:pvml="urn:schemas-microsoft-com:office:powerpoint" xmlns:com="http://schemas.openxmlformats.org/drawingml/2006/compatibility" xmlns:p14="http://schemas.microsoft.com/office/powerpoint/2010/main" xmlns:p15="http://schemas.microsoft.com/office/powerpoint/2012/main" xmlns:ahyp="http://schemas.microsoft.com/office/drawing/2018/hyperlinkcolor">
-  <p:cSld>
-    <p:spTree>
-      <p:nvGrpSpPr>
-        <p:cNvPr id="117" name="Shape 117"/>
-        <p:cNvGrpSpPr/>
-        <p:nvPr/>
-      </p:nvGrpSpPr>
-      <p:grpSpPr>
-        <a:xfrm>
-          <a:off x="0" y="0"/>
-          <a:ext cx="0" cy="0"/>
-          <a:chOff x="0" y="0"/>
-          <a:chExt cx="0" cy="0"/>
-        </a:xfrm>
-      </p:grpSpPr>
-      <p:sp>
-        <p:nvSpPr>
-          <p:cNvPr id="118" name="Google Shape;118;p21"/>
-          <p:cNvSpPr txBox="1"/>
-          <p:nvPr>
-            <p:ph type="title"/>
-          </p:nvPr>
-        </p:nvSpPr>
-        <p:spPr>
-          <a:xfrm>
-            <a:off x="311700" y="445025"/>
-            <a:ext cx="8520600" cy="572700"/>
-          </a:xfrm>
-          <a:prstGeom prst="rect">
-            <a:avLst/>
-          </a:prstGeom>
-        </p:spPr>
-        <p:txBody>
-          <a:bodyPr anchorCtr="0" anchor="t" bIns="91425" lIns="91425" spcFirstLastPara="1" rIns="91425" wrap="square" tIns="91425">
-            <a:normAutofit fontScale="90000"/>
-          </a:bodyPr>
-          <a:lstStyle/>
-          <a:p>
-            <a:pPr indent="0" lvl="0" marL="0" rtl="0" algn="l">
-              <a:spcBef>
-                <a:spcPts val="0"/>
-              </a:spcBef>
-              <a:spcAft>
-                <a:spcPts val="0"/>
-              </a:spcAft>
-              <a:buNone/>
-            </a:pPr>
-            <a:r>
-              <a:rPr lang="en"/>
-              <a:t>MULTILEVEL FEEDBACK QUEUE SCHEDULING</a:t>
-            </a:r>
-            <a:endParaRPr/>
-          </a:p>
-        </p:txBody>
-      </p:sp>
-      <p:sp>
-        <p:nvSpPr>
-          <p:cNvPr id="119" name="Google Shape;119;p21"/>
-          <p:cNvSpPr txBox="1"/>
-          <p:nvPr>
-            <p:ph idx="1" type="body"/>
-          </p:nvPr>
-        </p:nvSpPr>
-        <p:spPr>
-          <a:xfrm>
-            <a:off x="311700" y="1152475"/>
-            <a:ext cx="3530100" cy="3795000"/>
-          </a:xfrm>
-          <a:prstGeom prst="rect">
-            <a:avLst/>
-          </a:prstGeom>
-        </p:spPr>
-        <p:txBody>
-          <a:bodyPr anchorCtr="0" anchor="t" bIns="91425" lIns="91425" spcFirstLastPara="1" rIns="91425" wrap="square" tIns="91425">
-            <a:normAutofit/>
-          </a:bodyPr>
-          <a:lstStyle/>
-          <a:p>
-            <a:pPr indent="-330200" lvl="0" marL="457200" rtl="0" algn="l">
-              <a:spcBef>
-                <a:spcPts val="0"/>
-              </a:spcBef>
-              <a:spcAft>
-                <a:spcPts val="0"/>
-              </a:spcAft>
-              <a:buClr>
-                <a:schemeClr val="dk1"/>
-              </a:buClr>
-              <a:buSzPts val="1600"/>
-              <a:buChar char="●"/>
-            </a:pPr>
-            <a:r>
-              <a:rPr lang="en" sz="1600">
-                <a:solidFill>
-                  <a:schemeClr val="dk1"/>
-                </a:solidFill>
-              </a:rPr>
-              <a:t>Advantage: </a:t>
-            </a:r>
-            <a:endParaRPr sz="1600">
-              <a:solidFill>
-                <a:schemeClr val="dk1"/>
-              </a:solidFill>
-            </a:endParaRPr>
-          </a:p>
-          <a:p>
-            <a:pPr indent="-317500" lvl="1" marL="914400" rtl="0" algn="l">
-              <a:spcBef>
-                <a:spcPts val="0"/>
-              </a:spcBef>
-              <a:spcAft>
-                <a:spcPts val="0"/>
-              </a:spcAft>
-              <a:buClr>
-                <a:schemeClr val="dk1"/>
-              </a:buClr>
-              <a:buSzPts val="1400"/>
-              <a:buChar char="○"/>
-            </a:pPr>
-            <a:r>
-              <a:rPr lang="en" sz="1400">
-                <a:solidFill>
-                  <a:schemeClr val="dk1"/>
-                </a:solidFill>
-              </a:rPr>
-              <a:t>Allows processes to move between different priority queues based on their behaviour.</a:t>
-            </a:r>
-            <a:endParaRPr sz="1400">
-              <a:solidFill>
-                <a:schemeClr val="dk1"/>
-              </a:solidFill>
-            </a:endParaRPr>
-          </a:p>
-          <a:p>
-            <a:pPr indent="-330200" lvl="0" marL="457200" rtl="0" algn="l">
-              <a:spcBef>
-                <a:spcPts val="0"/>
-              </a:spcBef>
-              <a:spcAft>
-                <a:spcPts val="0"/>
-              </a:spcAft>
-              <a:buClr>
-                <a:schemeClr val="dk1"/>
-              </a:buClr>
-              <a:buSzPts val="1600"/>
-              <a:buChar char="●"/>
-            </a:pPr>
-            <a:r>
-              <a:rPr lang="en" sz="1600">
-                <a:solidFill>
-                  <a:schemeClr val="dk1"/>
-                </a:solidFill>
-              </a:rPr>
-              <a:t>Drawback: </a:t>
-            </a:r>
-            <a:endParaRPr sz="1600">
-              <a:solidFill>
-                <a:schemeClr val="dk1"/>
-              </a:solidFill>
-            </a:endParaRPr>
-          </a:p>
-          <a:p>
-            <a:pPr indent="-317500" lvl="1" marL="914400" rtl="0" algn="l">
-              <a:spcBef>
-                <a:spcPts val="0"/>
-              </a:spcBef>
-              <a:spcAft>
-                <a:spcPts val="0"/>
-              </a:spcAft>
-              <a:buClr>
-                <a:schemeClr val="dk1"/>
-              </a:buClr>
-              <a:buSzPts val="1400"/>
-              <a:buChar char="○"/>
-            </a:pPr>
-            <a:r>
-              <a:rPr lang="en" sz="1400">
-                <a:solidFill>
-                  <a:schemeClr val="dk1"/>
-                </a:solidFill>
-              </a:rPr>
-              <a:t>Requires careful tuning of parameters to prevent processes from oscillating between queues.</a:t>
-            </a:r>
-            <a:endParaRPr sz="1400">
-              <a:solidFill>
-                <a:schemeClr val="dk1"/>
-              </a:solidFill>
-            </a:endParaRPr>
-          </a:p>
-        </p:txBody>
-      </p:sp>
-      <p:sp>
-        <p:nvSpPr>
-          <p:cNvPr id="120" name="Google Shape;120;p21"/>
-          <p:cNvSpPr txBox="1"/>
-          <p:nvPr>
-            <p:ph idx="2" type="body"/>
-          </p:nvPr>
-        </p:nvSpPr>
-        <p:spPr>
-          <a:xfrm>
-            <a:off x="4236350" y="1152475"/>
-            <a:ext cx="4596000" cy="3795000"/>
-          </a:xfrm>
-          <a:prstGeom prst="rect">
-            <a:avLst/>
-          </a:prstGeom>
-        </p:spPr>
-        <p:txBody>
-          <a:bodyPr anchorCtr="0" anchor="t" bIns="91425" lIns="91425" spcFirstLastPara="1" rIns="91425" wrap="square" tIns="91425">
-            <a:normAutofit/>
-          </a:bodyPr>
-          <a:lstStyle/>
-          <a:p>
-            <a:pPr indent="0" lvl="0" marL="0" rtl="0" algn="l">
-              <a:spcBef>
-                <a:spcPts val="0"/>
-              </a:spcBef>
-              <a:spcAft>
-                <a:spcPts val="1200"/>
-              </a:spcAft>
-              <a:buNone/>
-            </a:pPr>
-            <a:r>
-              <a:t/>
-            </a:r>
-            <a:endParaRPr/>
-          </a:p>
-        </p:txBody>
-      </p:sp>
-      <p:pic>
-        <p:nvPicPr>
-          <p:cNvPr id="121" name="Google Shape;121;p21"/>
-          <p:cNvPicPr preferRelativeResize="0"/>
-          <p:nvPr/>
-        </p:nvPicPr>
-        <p:blipFill rotWithShape="1">
-          <a:blip r:embed="rId3">
-            <a:alphaModFix/>
-          </a:blip>
-          <a:srcRect b="50384" l="5110" r="5699" t="3848"/>
-          <a:stretch/>
-        </p:blipFill>
-        <p:spPr>
-          <a:xfrm>
-            <a:off x="4236350" y="1152475"/>
-            <a:ext cx="4596001" cy="3795001"/>
-          </a:xfrm>
-          <a:prstGeom prst="rect">
-            <a:avLst/>
-          </a:prstGeom>
-          <a:noFill/>
-          <a:ln>
-            <a:noFill/>
-          </a:ln>
-        </p:spPr>
-      </p:pic>
     </p:spTree>
   </p:cSld>
   <p:clrMapOvr>
